--- a/Lectures/Chto_vozmozhno_vychislit_v2.pptx
+++ b/Lectures/Chto_vozmozhno_vychislit_v2.pptx
@@ -8324,16 +8324,22 @@
           </a:xfrm>
         </p:spPr>
         <p:txBody>
-          <a:bodyPr/>
+          <a:bodyPr>
+            <a:normAutofit lnSpcReduction="10000"/>
+          </a:bodyPr>
           <a:lstStyle/>
           <a:p>
             <a:r>
               <a:rPr lang="en-US" dirty="0" smtClean="0"/>
-              <a:t>NEXP</a:t>
-            </a:r>
-            <a:r>
-              <a:rPr lang="ru-RU" dirty="0" smtClean="0"/>
-              <a:t> – Класс задач, вычислительно проверяемых (в концепции интерактивных доказательств</a:t>
+              <a:t>MIP </a:t>
+            </a:r>
+            <a:r>
+              <a:rPr lang="ru-RU" dirty="0" smtClean="0"/>
+              <a:t>– </a:t>
+            </a:r>
+            <a:r>
+              <a:rPr lang="ru-RU" dirty="0" smtClean="0"/>
+              <a:t>Класс задач, вычислительно проверяемых (в концепции интерактивных доказательств</a:t>
             </a:r>
             <a:r>
               <a:rPr lang="en-US" dirty="0" smtClean="0"/>
@@ -8341,19 +8347,31 @@
             </a:r>
             <a:r>
               <a:rPr lang="ru-RU" dirty="0" smtClean="0"/>
-              <a:t>с двумя доказывающими), т.е. те задачи, ответ на которые можно вычислительно проверить </a:t>
-            </a:r>
-            <a:r>
-              <a:rPr lang="ru-RU" smtClean="0"/>
-              <a:t>за </a:t>
-            </a:r>
-            <a:r>
-              <a:rPr lang="ru-RU" smtClean="0"/>
-              <a:t>экспоненциальное </a:t>
+              <a:t>с двумя доказывающими), т.е. те задачи, ответ на которые можно вычислительно проверить за </a:t>
+            </a:r>
+            <a:r>
+              <a:rPr lang="ru-RU" dirty="0" smtClean="0"/>
+              <a:t>полиномиальное </a:t>
             </a:r>
             <a:r>
               <a:rPr lang="ru-RU" dirty="0" smtClean="0"/>
               <a:t>время.</a:t>
+            </a:r>
+          </a:p>
+          <a:p>
+            <a:r>
+              <a:rPr lang="en-US" dirty="0" smtClean="0"/>
+              <a:t>NEXP – </a:t>
+            </a:r>
+            <a:r>
+              <a:rPr lang="ru-RU" dirty="0" smtClean="0"/>
+              <a:t>Класс задач, вычислительно проверяемых за экспоненциальное время</a:t>
+            </a:r>
+          </a:p>
+          <a:p>
+            <a:r>
+              <a:rPr lang="en-US" dirty="0" smtClean="0"/>
+              <a:t>NEXP = MIP</a:t>
             </a:r>
             <a:endParaRPr lang="ru-RU" dirty="0"/>
           </a:p>
@@ -8420,7 +8438,7 @@
             <a:pPr algn="ctr"/>
             <a:r>
               <a:rPr lang="en-US" dirty="0" smtClean="0"/>
-              <a:t>NEXP</a:t>
+              <a:t>MIP=NEXP</a:t>
             </a:r>
             <a:endParaRPr lang="ru-RU" dirty="0"/>
           </a:p>

--- a/Lectures/Chto_vozmozhno_vychislit_v2.pptx
+++ b/Lectures/Chto_vozmozhno_vychislit_v2.pptx
@@ -287,7 +287,7 @@
           <a:p>
             <a:fld id="{F897DA55-CCC0-4531-97DC-1ED9FEF42B5C}" type="datetimeFigureOut">
               <a:rPr lang="ru-RU" smtClean="0"/>
-              <a:t>03.10.2024</a:t>
+              <a:t>01.10.2025</a:t>
             </a:fld>
             <a:endParaRPr lang="ru-RU"/>
           </a:p>
@@ -351,38 +351,37 @@
           <a:p>
             <a:pPr lvl="0"/>
             <a:r>
-              <a:rPr lang="ru-RU" smtClean="0"/>
+              <a:rPr lang="ru-RU"/>
               <a:t>Образец текста</a:t>
             </a:r>
           </a:p>
           <a:p>
             <a:pPr lvl="1"/>
             <a:r>
-              <a:rPr lang="ru-RU" smtClean="0"/>
+              <a:rPr lang="ru-RU"/>
               <a:t>Второй уровень</a:t>
             </a:r>
           </a:p>
           <a:p>
             <a:pPr lvl="2"/>
             <a:r>
-              <a:rPr lang="ru-RU" smtClean="0"/>
+              <a:rPr lang="ru-RU"/>
               <a:t>Третий уровень</a:t>
             </a:r>
           </a:p>
           <a:p>
             <a:pPr lvl="3"/>
             <a:r>
-              <a:rPr lang="ru-RU" smtClean="0"/>
+              <a:rPr lang="ru-RU"/>
               <a:t>Четвертый уровень</a:t>
             </a:r>
           </a:p>
           <a:p>
             <a:pPr lvl="4"/>
             <a:r>
-              <a:rPr lang="ru-RU" smtClean="0"/>
+              <a:rPr lang="ru-RU"/>
               <a:t>Пятый уровень</a:t>
             </a:r>
-            <a:endParaRPr lang="ru-RU"/>
           </a:p>
         </p:txBody>
       </p:sp>
@@ -681,10 +680,9 @@
           </a:lstStyle>
           <a:p>
             <a:r>
-              <a:rPr lang="ru-RU" smtClean="0"/>
+              <a:rPr lang="ru-RU"/>
               <a:t>Образец заголовка</a:t>
             </a:r>
-            <a:endParaRPr lang="ru-RU"/>
           </a:p>
         </p:txBody>
       </p:sp>
@@ -746,10 +744,9 @@
           </a:lstStyle>
           <a:p>
             <a:r>
-              <a:rPr lang="ru-RU" smtClean="0"/>
+              <a:rPr lang="ru-RU"/>
               <a:t>Образец подзаголовка</a:t>
             </a:r>
-            <a:endParaRPr lang="ru-RU"/>
           </a:p>
         </p:txBody>
       </p:sp>
@@ -770,7 +767,7 @@
           <a:p>
             <a:fld id="{7E9354D1-4C29-44A5-9AD5-034FC5F2DC99}" type="datetime1">
               <a:rPr lang="ru-RU" smtClean="0"/>
-              <a:t>03.10.2024</a:t>
+              <a:t>01.10.2025</a:t>
             </a:fld>
             <a:endParaRPr lang="ru-RU"/>
           </a:p>
@@ -864,10 +861,9 @@
           <a:lstStyle/>
           <a:p>
             <a:r>
-              <a:rPr lang="ru-RU" smtClean="0"/>
+              <a:rPr lang="ru-RU"/>
               <a:t>Образец заголовка</a:t>
             </a:r>
-            <a:endParaRPr lang="ru-RU"/>
           </a:p>
         </p:txBody>
       </p:sp>
@@ -888,38 +884,37 @@
           <a:p>
             <a:pPr lvl="0"/>
             <a:r>
-              <a:rPr lang="ru-RU" smtClean="0"/>
+              <a:rPr lang="ru-RU"/>
               <a:t>Образец текста</a:t>
             </a:r>
           </a:p>
           <a:p>
             <a:pPr lvl="1"/>
             <a:r>
-              <a:rPr lang="ru-RU" smtClean="0"/>
+              <a:rPr lang="ru-RU"/>
               <a:t>Второй уровень</a:t>
             </a:r>
           </a:p>
           <a:p>
             <a:pPr lvl="2"/>
             <a:r>
-              <a:rPr lang="ru-RU" smtClean="0"/>
+              <a:rPr lang="ru-RU"/>
               <a:t>Третий уровень</a:t>
             </a:r>
           </a:p>
           <a:p>
             <a:pPr lvl="3"/>
             <a:r>
-              <a:rPr lang="ru-RU" smtClean="0"/>
+              <a:rPr lang="ru-RU"/>
               <a:t>Четвертый уровень</a:t>
             </a:r>
           </a:p>
           <a:p>
             <a:pPr lvl="4"/>
             <a:r>
-              <a:rPr lang="ru-RU" smtClean="0"/>
+              <a:rPr lang="ru-RU"/>
               <a:t>Пятый уровень</a:t>
             </a:r>
-            <a:endParaRPr lang="ru-RU"/>
           </a:p>
         </p:txBody>
       </p:sp>
@@ -940,7 +935,7 @@
           <a:p>
             <a:fld id="{91E59219-1F7D-424C-B07A-7BB90B3E97D8}" type="datetime1">
               <a:rPr lang="ru-RU" smtClean="0"/>
-              <a:t>03.10.2024</a:t>
+              <a:t>01.10.2025</a:t>
             </a:fld>
             <a:endParaRPr lang="ru-RU"/>
           </a:p>
@@ -1039,10 +1034,9 @@
           <a:lstStyle/>
           <a:p>
             <a:r>
-              <a:rPr lang="ru-RU" smtClean="0"/>
+              <a:rPr lang="ru-RU"/>
               <a:t>Образец заголовка</a:t>
             </a:r>
-            <a:endParaRPr lang="ru-RU"/>
           </a:p>
         </p:txBody>
       </p:sp>
@@ -1068,38 +1062,37 @@
           <a:p>
             <a:pPr lvl="0"/>
             <a:r>
-              <a:rPr lang="ru-RU" smtClean="0"/>
+              <a:rPr lang="ru-RU"/>
               <a:t>Образец текста</a:t>
             </a:r>
           </a:p>
           <a:p>
             <a:pPr lvl="1"/>
             <a:r>
-              <a:rPr lang="ru-RU" smtClean="0"/>
+              <a:rPr lang="ru-RU"/>
               <a:t>Второй уровень</a:t>
             </a:r>
           </a:p>
           <a:p>
             <a:pPr lvl="2"/>
             <a:r>
-              <a:rPr lang="ru-RU" smtClean="0"/>
+              <a:rPr lang="ru-RU"/>
               <a:t>Третий уровень</a:t>
             </a:r>
           </a:p>
           <a:p>
             <a:pPr lvl="3"/>
             <a:r>
-              <a:rPr lang="ru-RU" smtClean="0"/>
+              <a:rPr lang="ru-RU"/>
               <a:t>Четвертый уровень</a:t>
             </a:r>
           </a:p>
           <a:p>
             <a:pPr lvl="4"/>
             <a:r>
-              <a:rPr lang="ru-RU" smtClean="0"/>
+              <a:rPr lang="ru-RU"/>
               <a:t>Пятый уровень</a:t>
             </a:r>
-            <a:endParaRPr lang="ru-RU"/>
           </a:p>
         </p:txBody>
       </p:sp>
@@ -1120,7 +1113,7 @@
           <a:p>
             <a:fld id="{C83CE7D4-9ED1-4C75-9018-AB0CED679654}" type="datetime1">
               <a:rPr lang="ru-RU" smtClean="0"/>
-              <a:t>03.10.2024</a:t>
+              <a:t>01.10.2025</a:t>
             </a:fld>
             <a:endParaRPr lang="ru-RU"/>
           </a:p>
@@ -1214,10 +1207,9 @@
           <a:lstStyle/>
           <a:p>
             <a:r>
-              <a:rPr lang="ru-RU" smtClean="0"/>
+              <a:rPr lang="ru-RU"/>
               <a:t>Образец заголовка</a:t>
             </a:r>
-            <a:endParaRPr lang="ru-RU"/>
           </a:p>
         </p:txBody>
       </p:sp>
@@ -1238,38 +1230,37 @@
           <a:p>
             <a:pPr lvl="0"/>
             <a:r>
-              <a:rPr lang="ru-RU" smtClean="0"/>
+              <a:rPr lang="ru-RU"/>
               <a:t>Образец текста</a:t>
             </a:r>
           </a:p>
           <a:p>
             <a:pPr lvl="1"/>
             <a:r>
-              <a:rPr lang="ru-RU" smtClean="0"/>
+              <a:rPr lang="ru-RU"/>
               <a:t>Второй уровень</a:t>
             </a:r>
           </a:p>
           <a:p>
             <a:pPr lvl="2"/>
             <a:r>
-              <a:rPr lang="ru-RU" smtClean="0"/>
+              <a:rPr lang="ru-RU"/>
               <a:t>Третий уровень</a:t>
             </a:r>
           </a:p>
           <a:p>
             <a:pPr lvl="3"/>
             <a:r>
-              <a:rPr lang="ru-RU" smtClean="0"/>
+              <a:rPr lang="ru-RU"/>
               <a:t>Четвертый уровень</a:t>
             </a:r>
           </a:p>
           <a:p>
             <a:pPr lvl="4"/>
             <a:r>
-              <a:rPr lang="ru-RU" smtClean="0"/>
+              <a:rPr lang="ru-RU"/>
               <a:t>Пятый уровень</a:t>
             </a:r>
-            <a:endParaRPr lang="ru-RU"/>
           </a:p>
         </p:txBody>
       </p:sp>
@@ -1290,7 +1281,7 @@
           <a:p>
             <a:fld id="{1C15AA2B-E57E-4D50-B918-65233C78F729}" type="datetime1">
               <a:rPr lang="ru-RU" smtClean="0"/>
-              <a:t>03.10.2024</a:t>
+              <a:t>01.10.2025</a:t>
             </a:fld>
             <a:endParaRPr lang="ru-RU"/>
           </a:p>
@@ -1393,10 +1384,9 @@
           </a:lstStyle>
           <a:p>
             <a:r>
-              <a:rPr lang="ru-RU" smtClean="0"/>
+              <a:rPr lang="ru-RU"/>
               <a:t>Образец заголовка</a:t>
             </a:r>
-            <a:endParaRPr lang="ru-RU"/>
           </a:p>
         </p:txBody>
       </p:sp>
@@ -1513,7 +1503,7 @@
           <a:p>
             <a:pPr lvl="0"/>
             <a:r>
-              <a:rPr lang="ru-RU" smtClean="0"/>
+              <a:rPr lang="ru-RU"/>
               <a:t>Образец текста</a:t>
             </a:r>
           </a:p>
@@ -1536,7 +1526,7 @@
           <a:p>
             <a:fld id="{6F749CB8-6822-4354-BA8C-18D9F25C0AC8}" type="datetime1">
               <a:rPr lang="ru-RU" smtClean="0"/>
-              <a:t>03.10.2024</a:t>
+              <a:t>01.10.2025</a:t>
             </a:fld>
             <a:endParaRPr lang="ru-RU"/>
           </a:p>
@@ -1630,10 +1620,9 @@
           <a:lstStyle/>
           <a:p>
             <a:r>
-              <a:rPr lang="ru-RU" smtClean="0"/>
+              <a:rPr lang="ru-RU"/>
               <a:t>Образец заголовка</a:t>
             </a:r>
-            <a:endParaRPr lang="ru-RU"/>
           </a:p>
         </p:txBody>
       </p:sp>
@@ -1659,38 +1648,37 @@
           <a:p>
             <a:pPr lvl="0"/>
             <a:r>
-              <a:rPr lang="ru-RU" smtClean="0"/>
+              <a:rPr lang="ru-RU"/>
               <a:t>Образец текста</a:t>
             </a:r>
           </a:p>
           <a:p>
             <a:pPr lvl="1"/>
             <a:r>
-              <a:rPr lang="ru-RU" smtClean="0"/>
+              <a:rPr lang="ru-RU"/>
               <a:t>Второй уровень</a:t>
             </a:r>
           </a:p>
           <a:p>
             <a:pPr lvl="2"/>
             <a:r>
-              <a:rPr lang="ru-RU" smtClean="0"/>
+              <a:rPr lang="ru-RU"/>
               <a:t>Третий уровень</a:t>
             </a:r>
           </a:p>
           <a:p>
             <a:pPr lvl="3"/>
             <a:r>
-              <a:rPr lang="ru-RU" smtClean="0"/>
+              <a:rPr lang="ru-RU"/>
               <a:t>Четвертый уровень</a:t>
             </a:r>
           </a:p>
           <a:p>
             <a:pPr lvl="4"/>
             <a:r>
-              <a:rPr lang="ru-RU" smtClean="0"/>
+              <a:rPr lang="ru-RU"/>
               <a:t>Пятый уровень</a:t>
             </a:r>
-            <a:endParaRPr lang="ru-RU"/>
           </a:p>
         </p:txBody>
       </p:sp>
@@ -1716,38 +1704,37 @@
           <a:p>
             <a:pPr lvl="0"/>
             <a:r>
-              <a:rPr lang="ru-RU" smtClean="0"/>
+              <a:rPr lang="ru-RU"/>
               <a:t>Образец текста</a:t>
             </a:r>
           </a:p>
           <a:p>
             <a:pPr lvl="1"/>
             <a:r>
-              <a:rPr lang="ru-RU" smtClean="0"/>
+              <a:rPr lang="ru-RU"/>
               <a:t>Второй уровень</a:t>
             </a:r>
           </a:p>
           <a:p>
             <a:pPr lvl="2"/>
             <a:r>
-              <a:rPr lang="ru-RU" smtClean="0"/>
+              <a:rPr lang="ru-RU"/>
               <a:t>Третий уровень</a:t>
             </a:r>
           </a:p>
           <a:p>
             <a:pPr lvl="3"/>
             <a:r>
-              <a:rPr lang="ru-RU" smtClean="0"/>
+              <a:rPr lang="ru-RU"/>
               <a:t>Четвертый уровень</a:t>
             </a:r>
           </a:p>
           <a:p>
             <a:pPr lvl="4"/>
             <a:r>
-              <a:rPr lang="ru-RU" smtClean="0"/>
+              <a:rPr lang="ru-RU"/>
               <a:t>Пятый уровень</a:t>
             </a:r>
-            <a:endParaRPr lang="ru-RU"/>
           </a:p>
         </p:txBody>
       </p:sp>
@@ -1768,7 +1755,7 @@
           <a:p>
             <a:fld id="{F5158C36-246E-4940-96CC-B892F280BB25}" type="datetime1">
               <a:rPr lang="ru-RU" smtClean="0"/>
-              <a:t>03.10.2024</a:t>
+              <a:t>01.10.2025</a:t>
             </a:fld>
             <a:endParaRPr lang="ru-RU"/>
           </a:p>
@@ -1867,10 +1854,9 @@
           <a:lstStyle/>
           <a:p>
             <a:r>
-              <a:rPr lang="ru-RU" smtClean="0"/>
+              <a:rPr lang="ru-RU"/>
               <a:t>Образец заголовка</a:t>
             </a:r>
-            <a:endParaRPr lang="ru-RU"/>
           </a:p>
         </p:txBody>
       </p:sp>
@@ -1933,7 +1919,7 @@
           <a:p>
             <a:pPr lvl="0"/>
             <a:r>
-              <a:rPr lang="ru-RU" smtClean="0"/>
+              <a:rPr lang="ru-RU"/>
               <a:t>Образец текста</a:t>
             </a:r>
           </a:p>
@@ -1961,38 +1947,37 @@
           <a:p>
             <a:pPr lvl="0"/>
             <a:r>
-              <a:rPr lang="ru-RU" smtClean="0"/>
+              <a:rPr lang="ru-RU"/>
               <a:t>Образец текста</a:t>
             </a:r>
           </a:p>
           <a:p>
             <a:pPr lvl="1"/>
             <a:r>
-              <a:rPr lang="ru-RU" smtClean="0"/>
+              <a:rPr lang="ru-RU"/>
               <a:t>Второй уровень</a:t>
             </a:r>
           </a:p>
           <a:p>
             <a:pPr lvl="2"/>
             <a:r>
-              <a:rPr lang="ru-RU" smtClean="0"/>
+              <a:rPr lang="ru-RU"/>
               <a:t>Третий уровень</a:t>
             </a:r>
           </a:p>
           <a:p>
             <a:pPr lvl="3"/>
             <a:r>
-              <a:rPr lang="ru-RU" smtClean="0"/>
+              <a:rPr lang="ru-RU"/>
               <a:t>Четвертый уровень</a:t>
             </a:r>
           </a:p>
           <a:p>
             <a:pPr lvl="4"/>
             <a:r>
-              <a:rPr lang="ru-RU" smtClean="0"/>
+              <a:rPr lang="ru-RU"/>
               <a:t>Пятый уровень</a:t>
             </a:r>
-            <a:endParaRPr lang="ru-RU"/>
           </a:p>
         </p:txBody>
       </p:sp>
@@ -2055,7 +2040,7 @@
           <a:p>
             <a:pPr lvl="0"/>
             <a:r>
-              <a:rPr lang="ru-RU" smtClean="0"/>
+              <a:rPr lang="ru-RU"/>
               <a:t>Образец текста</a:t>
             </a:r>
           </a:p>
@@ -2083,38 +2068,37 @@
           <a:p>
             <a:pPr lvl="0"/>
             <a:r>
-              <a:rPr lang="ru-RU" smtClean="0"/>
+              <a:rPr lang="ru-RU"/>
               <a:t>Образец текста</a:t>
             </a:r>
           </a:p>
           <a:p>
             <a:pPr lvl="1"/>
             <a:r>
-              <a:rPr lang="ru-RU" smtClean="0"/>
+              <a:rPr lang="ru-RU"/>
               <a:t>Второй уровень</a:t>
             </a:r>
           </a:p>
           <a:p>
             <a:pPr lvl="2"/>
             <a:r>
-              <a:rPr lang="ru-RU" smtClean="0"/>
+              <a:rPr lang="ru-RU"/>
               <a:t>Третий уровень</a:t>
             </a:r>
           </a:p>
           <a:p>
             <a:pPr lvl="3"/>
             <a:r>
-              <a:rPr lang="ru-RU" smtClean="0"/>
+              <a:rPr lang="ru-RU"/>
               <a:t>Четвертый уровень</a:t>
             </a:r>
           </a:p>
           <a:p>
             <a:pPr lvl="4"/>
             <a:r>
-              <a:rPr lang="ru-RU" smtClean="0"/>
+              <a:rPr lang="ru-RU"/>
               <a:t>Пятый уровень</a:t>
             </a:r>
-            <a:endParaRPr lang="ru-RU"/>
           </a:p>
         </p:txBody>
       </p:sp>
@@ -2135,7 +2119,7 @@
           <a:p>
             <a:fld id="{6B7AA657-AA4B-4174-B365-3EC3797441EC}" type="datetime1">
               <a:rPr lang="ru-RU" smtClean="0"/>
-              <a:t>03.10.2024</a:t>
+              <a:t>01.10.2025</a:t>
             </a:fld>
             <a:endParaRPr lang="ru-RU"/>
           </a:p>
@@ -2229,10 +2213,9 @@
           <a:lstStyle/>
           <a:p>
             <a:r>
-              <a:rPr lang="ru-RU" smtClean="0"/>
+              <a:rPr lang="ru-RU"/>
               <a:t>Образец заголовка</a:t>
             </a:r>
-            <a:endParaRPr lang="ru-RU"/>
           </a:p>
         </p:txBody>
       </p:sp>
@@ -2253,7 +2236,7 @@
           <a:p>
             <a:fld id="{0E5076F5-2981-46A4-91FF-DA6F7414414A}" type="datetime1">
               <a:rPr lang="ru-RU" smtClean="0"/>
-              <a:t>03.10.2024</a:t>
+              <a:t>01.10.2025</a:t>
             </a:fld>
             <a:endParaRPr lang="ru-RU"/>
           </a:p>
@@ -2348,7 +2331,7 @@
           <a:p>
             <a:fld id="{8775B738-9B54-44CB-B2CF-FF9687D24A73}" type="datetime1">
               <a:rPr lang="ru-RU" smtClean="0"/>
-              <a:t>03.10.2024</a:t>
+              <a:t>01.10.2025</a:t>
             </a:fld>
             <a:endParaRPr lang="ru-RU"/>
           </a:p>
@@ -2451,10 +2434,9 @@
           </a:lstStyle>
           <a:p>
             <a:r>
-              <a:rPr lang="ru-RU" smtClean="0"/>
+              <a:rPr lang="ru-RU"/>
               <a:t>Образец заголовка</a:t>
             </a:r>
-            <a:endParaRPr lang="ru-RU"/>
           </a:p>
         </p:txBody>
       </p:sp>
@@ -2508,38 +2490,37 @@
           <a:p>
             <a:pPr lvl="0"/>
             <a:r>
-              <a:rPr lang="ru-RU" smtClean="0"/>
+              <a:rPr lang="ru-RU"/>
               <a:t>Образец текста</a:t>
             </a:r>
           </a:p>
           <a:p>
             <a:pPr lvl="1"/>
             <a:r>
-              <a:rPr lang="ru-RU" smtClean="0"/>
+              <a:rPr lang="ru-RU"/>
               <a:t>Второй уровень</a:t>
             </a:r>
           </a:p>
           <a:p>
             <a:pPr lvl="2"/>
             <a:r>
-              <a:rPr lang="ru-RU" smtClean="0"/>
+              <a:rPr lang="ru-RU"/>
               <a:t>Третий уровень</a:t>
             </a:r>
           </a:p>
           <a:p>
             <a:pPr lvl="3"/>
             <a:r>
-              <a:rPr lang="ru-RU" smtClean="0"/>
+              <a:rPr lang="ru-RU"/>
               <a:t>Четвертый уровень</a:t>
             </a:r>
           </a:p>
           <a:p>
             <a:pPr lvl="4"/>
             <a:r>
-              <a:rPr lang="ru-RU" smtClean="0"/>
+              <a:rPr lang="ru-RU"/>
               <a:t>Пятый уровень</a:t>
             </a:r>
-            <a:endParaRPr lang="ru-RU"/>
           </a:p>
         </p:txBody>
       </p:sp>
@@ -2602,7 +2583,7 @@
           <a:p>
             <a:pPr lvl="0"/>
             <a:r>
-              <a:rPr lang="ru-RU" smtClean="0"/>
+              <a:rPr lang="ru-RU"/>
               <a:t>Образец текста</a:t>
             </a:r>
           </a:p>
@@ -2625,7 +2606,7 @@
           <a:p>
             <a:fld id="{9EA2639C-03DD-4D60-88AF-4FD99815901B}" type="datetime1">
               <a:rPr lang="ru-RU" smtClean="0"/>
-              <a:t>03.10.2024</a:t>
+              <a:t>01.10.2025</a:t>
             </a:fld>
             <a:endParaRPr lang="ru-RU"/>
           </a:p>
@@ -2728,10 +2709,9 @@
           </a:lstStyle>
           <a:p>
             <a:r>
-              <a:rPr lang="ru-RU" smtClean="0"/>
+              <a:rPr lang="ru-RU"/>
               <a:t>Образец заголовка</a:t>
             </a:r>
-            <a:endParaRPr lang="ru-RU"/>
           </a:p>
         </p:txBody>
       </p:sp>
@@ -2855,7 +2835,7 @@
           <a:p>
             <a:pPr lvl="0"/>
             <a:r>
-              <a:rPr lang="ru-RU" smtClean="0"/>
+              <a:rPr lang="ru-RU"/>
               <a:t>Образец текста</a:t>
             </a:r>
           </a:p>
@@ -2878,7 +2858,7 @@
           <a:p>
             <a:fld id="{3089592D-1CE8-47D3-9981-D4F365AA57AC}" type="datetime1">
               <a:rPr lang="ru-RU" smtClean="0"/>
-              <a:t>03.10.2024</a:t>
+              <a:t>01.10.2025</a:t>
             </a:fld>
             <a:endParaRPr lang="ru-RU"/>
           </a:p>
@@ -2987,10 +2967,9 @@
           <a:lstStyle/>
           <a:p>
             <a:r>
-              <a:rPr lang="ru-RU" smtClean="0"/>
+              <a:rPr lang="ru-RU"/>
               <a:t>Образец заголовка</a:t>
             </a:r>
-            <a:endParaRPr lang="ru-RU"/>
           </a:p>
         </p:txBody>
       </p:sp>
@@ -3021,38 +3000,37 @@
           <a:p>
             <a:pPr lvl="0"/>
             <a:r>
-              <a:rPr lang="ru-RU" smtClean="0"/>
+              <a:rPr lang="ru-RU"/>
               <a:t>Образец текста</a:t>
             </a:r>
           </a:p>
           <a:p>
             <a:pPr lvl="1"/>
             <a:r>
-              <a:rPr lang="ru-RU" smtClean="0"/>
+              <a:rPr lang="ru-RU"/>
               <a:t>Второй уровень</a:t>
             </a:r>
           </a:p>
           <a:p>
             <a:pPr lvl="2"/>
             <a:r>
-              <a:rPr lang="ru-RU" smtClean="0"/>
+              <a:rPr lang="ru-RU"/>
               <a:t>Третий уровень</a:t>
             </a:r>
           </a:p>
           <a:p>
             <a:pPr lvl="3"/>
             <a:r>
-              <a:rPr lang="ru-RU" smtClean="0"/>
+              <a:rPr lang="ru-RU"/>
               <a:t>Четвертый уровень</a:t>
             </a:r>
           </a:p>
           <a:p>
             <a:pPr lvl="4"/>
             <a:r>
-              <a:rPr lang="ru-RU" smtClean="0"/>
+              <a:rPr lang="ru-RU"/>
               <a:t>Пятый уровень</a:t>
             </a:r>
-            <a:endParaRPr lang="ru-RU"/>
           </a:p>
         </p:txBody>
       </p:sp>
@@ -3091,7 +3069,7 @@
           <a:p>
             <a:fld id="{5E5B2BAE-F061-4EE3-B069-F7EBFA0A5EE8}" type="datetime1">
               <a:rPr lang="ru-RU" smtClean="0"/>
-              <a:t>03.10.2024</a:t>
+              <a:t>01.10.2025</a:t>
             </a:fld>
             <a:endParaRPr lang="ru-RU"/>
           </a:p>
@@ -3513,10 +3491,9 @@
           <a:lstStyle/>
           <a:p>
             <a:r>
-              <a:rPr lang="ru-RU" dirty="0" smtClean="0"/>
+              <a:rPr lang="ru-RU" dirty="0"/>
               <a:t>Что возможно вычислить?</a:t>
             </a:r>
-            <a:endParaRPr lang="ru-RU" dirty="0"/>
           </a:p>
         </p:txBody>
       </p:sp>
@@ -3572,13 +3549,6 @@
   <p:clrMapOvr>
     <a:masterClrMapping/>
   </p:clrMapOvr>
-  <p:timing>
-    <p:tnLst>
-      <p:par>
-        <p:cTn id="1" dur="indefinite" restart="never" nodeType="tmRoot"/>
-      </p:par>
-    </p:tnLst>
-  </p:timing>
 </p:sld>
 </file>
 
@@ -3615,11 +3585,11 @@
           <a:lstStyle/>
           <a:p>
             <a:r>
-              <a:rPr lang="ru-RU" dirty="0" smtClean="0"/>
+              <a:rPr lang="ru-RU" dirty="0"/>
               <a:t>Муравей </a:t>
             </a:r>
             <a:r>
-              <a:rPr lang="ru-RU" dirty="0" err="1" smtClean="0"/>
+              <a:rPr lang="ru-RU" dirty="0" err="1"/>
               <a:t>Ленгтона</a:t>
             </a:r>
             <a:endParaRPr lang="ru-RU" dirty="0"/>
@@ -3644,40 +3614,47 @@
         </p:spPr>
         <p:txBody>
           <a:bodyPr>
-            <a:normAutofit fontScale="92500"/>
+            <a:normAutofit/>
           </a:bodyPr>
           <a:lstStyle/>
           <a:p>
             <a:r>
-              <a:rPr lang="ru-RU" dirty="0" smtClean="0"/>
+              <a:rPr lang="ru-RU" dirty="0"/>
               <a:t>При пустом поле муравей рано или поздно строит себе «дорогу».</a:t>
             </a:r>
           </a:p>
           <a:p>
             <a:r>
-              <a:rPr lang="ru-RU" dirty="0" smtClean="0"/>
+              <a:rPr lang="ru-RU" dirty="0"/>
               <a:t>Все ли расположения нескольких муравьёв (и в любом ли количестве) приводят к строительству дороги каждым из них?</a:t>
             </a:r>
           </a:p>
           <a:p>
-            <a:r>
-              <a:rPr lang="ru-RU" dirty="0" smtClean="0"/>
+            <a:pPr lvl="1"/>
+            <a:r>
+              <a:rPr lang="ru-RU" dirty="0"/>
+              <a:t>Не все, как оказалось</a:t>
+            </a:r>
+          </a:p>
+          <a:p>
+            <a:r>
+              <a:rPr lang="ru-RU" dirty="0"/>
               <a:t>Все ли начальные заполнения поля приводят к строительству дороги?</a:t>
             </a:r>
-            <a:endParaRPr lang="en-US" dirty="0" smtClean="0"/>
-          </a:p>
-          <a:p>
+          </a:p>
+          <a:p>
+            <a:pPr lvl="1"/>
+            <a:r>
+              <a:rPr lang="ru-RU" dirty="0"/>
+              <a:t>Скорее всего да, но не доказано</a:t>
+            </a:r>
             <a:endParaRPr lang="en-US" dirty="0"/>
           </a:p>
           <a:p>
-            <a:pPr marL="0" indent="0">
-              <a:buNone/>
-            </a:pPr>
-            <a:r>
-              <a:rPr lang="ru-RU" dirty="0" smtClean="0"/>
-              <a:t>Скорее всего ответы на все вопросы «да», но это не доказано, а обратных примеров нет.</a:t>
-            </a:r>
             <a:endParaRPr lang="ru-RU" dirty="0"/>
+          </a:p>
+          <a:p>
+            <a:endParaRPr lang="en-US" dirty="0"/>
           </a:p>
         </p:txBody>
       </p:sp>
@@ -3786,35 +3763,27 @@
           <a:lstStyle/>
           <a:p>
             <a:r>
-              <a:rPr lang="ru-RU" dirty="0" smtClean="0"/>
+              <a:rPr lang="ru-RU" dirty="0"/>
               <a:t>Попробовать найти </a:t>
             </a:r>
             <a:r>
-              <a:rPr lang="ru-RU" dirty="0" err="1" smtClean="0"/>
+              <a:rPr lang="ru-RU" dirty="0" err="1"/>
               <a:t>контрпример</a:t>
             </a:r>
             <a:r>
-              <a:rPr lang="ru-RU" dirty="0" smtClean="0"/>
+              <a:rPr lang="ru-RU" dirty="0"/>
               <a:t> самому</a:t>
             </a:r>
             <a:r>
-              <a:rPr lang="en-US" dirty="0" smtClean="0"/>
+              <a:rPr lang="en-US" dirty="0"/>
               <a:t>:</a:t>
             </a:r>
-            <a:r>
-              <a:rPr lang="ru-RU" dirty="0" smtClean="0"/>
-              <a:t/>
-            </a:r>
             <a:br>
-              <a:rPr lang="ru-RU" dirty="0" smtClean="0"/>
+              <a:rPr lang="ru-RU" dirty="0"/>
             </a:br>
             <a:r>
-              <a:rPr lang="ru-RU" dirty="0" smtClean="0"/>
-              <a:t>https</a:t>
-            </a:r>
-            <a:r>
-              <a:rPr lang="ru-RU" dirty="0"/>
-              <a:t>://sciencedemos.org.uk/langton_ant.php</a:t>
+              <a:rPr lang="ru-RU" dirty="0"/>
+              <a:t>https://sciencedemos.org.uk/langton_ant.php</a:t>
             </a:r>
           </a:p>
         </p:txBody>
@@ -3829,13 +3798,6 @@
   <p:clrMapOvr>
     <a:masterClrMapping/>
   </p:clrMapOvr>
-  <p:timing>
-    <p:tnLst>
-      <p:par>
-        <p:cTn id="1" dur="indefinite" restart="never" nodeType="tmRoot"/>
-      </p:par>
-    </p:tnLst>
-  </p:timing>
 </p:sld>
 </file>
 
@@ -3872,10 +3834,9 @@
           <a:lstStyle/>
           <a:p>
             <a:r>
-              <a:rPr lang="ru-RU" dirty="0" smtClean="0"/>
+              <a:rPr lang="ru-RU" dirty="0"/>
               <a:t>Какие вычислительные задачи теоретически возможно решить?</a:t>
             </a:r>
-            <a:endParaRPr lang="ru-RU" dirty="0"/>
           </a:p>
         </p:txBody>
       </p:sp>
@@ -3898,15 +3859,15 @@
               <a:buNone/>
             </a:pPr>
             <a:r>
-              <a:rPr lang="ru-RU" dirty="0" smtClean="0"/>
+              <a:rPr lang="ru-RU" dirty="0"/>
               <a:t>Проблема решения </a:t>
             </a:r>
             <a:r>
-              <a:rPr lang="en-US" dirty="0" smtClean="0"/>
+              <a:rPr lang="en-US" dirty="0"/>
               <a:t>Halting Problem </a:t>
             </a:r>
             <a:r>
-              <a:rPr lang="ru-RU" dirty="0" smtClean="0"/>
+              <a:rPr lang="ru-RU" dirty="0"/>
               <a:t>в том, что не существует алгоритма решения задачи (т.е. последовательности действий, приводящих к достижению результата). Если нет алгоритма – не можем  получить решение.</a:t>
             </a:r>
           </a:p>
@@ -3921,7 +3882,7 @@
               <a:buNone/>
             </a:pPr>
             <a:r>
-              <a:rPr lang="ru-RU" dirty="0" smtClean="0"/>
+              <a:rPr lang="ru-RU" dirty="0"/>
               <a:t>Предположение 2 – можем вычислить любые задачи имеющие алгоритм.</a:t>
             </a:r>
           </a:p>
@@ -3929,26 +3890,26 @@
             <a:pPr marL="0" indent="0">
               <a:buNone/>
             </a:pPr>
-            <a:endParaRPr lang="ru-RU" dirty="0" smtClean="0"/>
+            <a:endParaRPr lang="ru-RU" dirty="0"/>
           </a:p>
           <a:p>
             <a:pPr marL="0" indent="0">
               <a:buNone/>
             </a:pPr>
             <a:r>
-              <a:rPr lang="ru-RU" dirty="0" smtClean="0"/>
+              <a:rPr lang="ru-RU" dirty="0"/>
               <a:t>Шашки </a:t>
             </a:r>
             <a:r>
-              <a:rPr lang="ru-RU" dirty="0" err="1" smtClean="0"/>
+              <a:rPr lang="ru-RU" dirty="0" err="1"/>
               <a:t>Конвея</a:t>
             </a:r>
             <a:r>
-              <a:rPr lang="ru-RU" dirty="0" smtClean="0"/>
+              <a:rPr lang="ru-RU" dirty="0"/>
               <a:t> (</a:t>
             </a:r>
             <a:r>
-              <a:rPr lang="en-US" dirty="0" smtClean="0"/>
+              <a:rPr lang="en-US" dirty="0"/>
               <a:t>Conway Checkers)</a:t>
             </a:r>
             <a:endParaRPr lang="ru-RU" dirty="0"/>
@@ -3988,13 +3949,6 @@
   <p:clrMapOvr>
     <a:masterClrMapping/>
   </p:clrMapOvr>
-  <p:timing>
-    <p:tnLst>
-      <p:par>
-        <p:cTn id="1" dur="indefinite" restart="never" nodeType="tmRoot"/>
-      </p:par>
-    </p:tnLst>
-  </p:timing>
 </p:sld>
 </file>
 
@@ -4031,18 +3985,17 @@
           <a:lstStyle/>
           <a:p>
             <a:r>
-              <a:rPr lang="ru-RU" dirty="0" smtClean="0"/>
+              <a:rPr lang="ru-RU" dirty="0"/>
               <a:t>Шашки </a:t>
             </a:r>
             <a:r>
-              <a:rPr lang="ru-RU" dirty="0" err="1" smtClean="0"/>
+              <a:rPr lang="ru-RU" dirty="0" err="1"/>
               <a:t>Конвея</a:t>
             </a:r>
             <a:r>
-              <a:rPr lang="ru-RU" dirty="0" smtClean="0"/>
+              <a:rPr lang="ru-RU" dirty="0"/>
               <a:t>  </a:t>
             </a:r>
-            <a:endParaRPr lang="ru-RU" dirty="0"/>
           </a:p>
         </p:txBody>
       </p:sp>
@@ -4069,22 +4022,21 @@
           <a:lstStyle/>
           <a:p>
             <a:r>
-              <a:rPr lang="ru-RU" dirty="0" smtClean="0"/>
+              <a:rPr lang="ru-RU" dirty="0"/>
               <a:t>Клеточный автомат. 2 шашки, стоящие в соседних клетках (не по диагонали) могут перейти в одну шашку</a:t>
             </a:r>
           </a:p>
           <a:p>
             <a:r>
-              <a:rPr lang="ru-RU" dirty="0" smtClean="0"/>
+              <a:rPr lang="ru-RU" dirty="0"/>
               <a:t>Задача – имея бесконечное поле, разделённое по середине, располагая шашки в нижней его половине, как далеко возможно продвинуться ими в верней половине?</a:t>
             </a:r>
           </a:p>
           <a:p>
             <a:r>
-              <a:rPr lang="ru-RU" dirty="0" smtClean="0"/>
+              <a:rPr lang="ru-RU" dirty="0"/>
               <a:t>5 «уровень» не может быть достигнут за конечное число шагов</a:t>
             </a:r>
-            <a:endParaRPr lang="ru-RU" dirty="0"/>
           </a:p>
         </p:txBody>
       </p:sp>
@@ -4169,13 +4121,6 @@
   <p:clrMapOvr>
     <a:masterClrMapping/>
   </p:clrMapOvr>
-  <p:timing>
-    <p:tnLst>
-      <p:par>
-        <p:cTn id="1" dur="indefinite" restart="never" nodeType="tmRoot"/>
-      </p:par>
-    </p:tnLst>
-  </p:timing>
 </p:sld>
 </file>
 
@@ -4212,18 +4157,17 @@
           <a:lstStyle/>
           <a:p>
             <a:r>
-              <a:rPr lang="ru-RU" dirty="0" smtClean="0"/>
+              <a:rPr lang="ru-RU" dirty="0"/>
               <a:t>Шашки </a:t>
             </a:r>
             <a:r>
-              <a:rPr lang="ru-RU" dirty="0" err="1" smtClean="0"/>
+              <a:rPr lang="ru-RU" dirty="0" err="1"/>
               <a:t>Конвея</a:t>
             </a:r>
             <a:r>
-              <a:rPr lang="ru-RU" dirty="0" smtClean="0"/>
+              <a:rPr lang="ru-RU" dirty="0"/>
               <a:t> </a:t>
             </a:r>
-            <a:endParaRPr lang="ru-RU" dirty="0"/>
           </a:p>
         </p:txBody>
       </p:sp>
@@ -4243,72 +4187,71 @@
           <a:lstStyle/>
           <a:p>
             <a:r>
-              <a:rPr lang="ru-RU" dirty="0" err="1" smtClean="0"/>
+              <a:rPr lang="ru-RU" dirty="0" err="1"/>
               <a:t>Саймон</a:t>
             </a:r>
             <a:r>
-              <a:rPr lang="ru-RU" dirty="0" smtClean="0"/>
+              <a:rPr lang="ru-RU" dirty="0"/>
               <a:t> </a:t>
             </a:r>
             <a:r>
-              <a:rPr lang="ru-RU" dirty="0" err="1" smtClean="0"/>
+              <a:rPr lang="ru-RU" dirty="0" err="1"/>
               <a:t>Тэтхем</a:t>
             </a:r>
             <a:r>
-              <a:rPr lang="ru-RU" dirty="0" smtClean="0"/>
+              <a:rPr lang="ru-RU" dirty="0"/>
               <a:t>, </a:t>
             </a:r>
             <a:r>
-              <a:rPr lang="ru-RU" dirty="0" err="1" smtClean="0"/>
+              <a:rPr lang="ru-RU" dirty="0" err="1"/>
               <a:t>Гарет</a:t>
             </a:r>
             <a:r>
-              <a:rPr lang="ru-RU" dirty="0" smtClean="0"/>
+              <a:rPr lang="ru-RU" dirty="0"/>
               <a:t> Тейлор – 5 уровень может быть достигнут за бесконечное число шагов, имея бесконечное число шашек в нижней половине поля.</a:t>
             </a:r>
           </a:p>
           <a:p>
             <a:r>
-              <a:rPr lang="ru-RU" dirty="0" smtClean="0"/>
+              <a:rPr lang="ru-RU" dirty="0"/>
               <a:t>Т.е. существует алгоритм решающий задачу, но за </a:t>
             </a:r>
             <a:r>
-              <a:rPr lang="ru-RU" dirty="0" err="1" smtClean="0"/>
+              <a:rPr lang="ru-RU" dirty="0" err="1"/>
               <a:t>бескоенчное</a:t>
             </a:r>
             <a:r>
-              <a:rPr lang="ru-RU" dirty="0" smtClean="0"/>
+              <a:rPr lang="ru-RU" dirty="0"/>
               <a:t> время</a:t>
             </a:r>
           </a:p>
           <a:p>
             <a:r>
-              <a:rPr lang="ru-RU" dirty="0" smtClean="0"/>
+              <a:rPr lang="ru-RU" dirty="0"/>
               <a:t>Т.к. время в любой фиксированный промежуток конечно (по крайней мере оно факторизовано </a:t>
             </a:r>
             <a:r>
-              <a:rPr lang="ru-RU" dirty="0" err="1" smtClean="0"/>
+              <a:rPr lang="ru-RU" dirty="0" err="1"/>
               <a:t>планковским</a:t>
             </a:r>
             <a:r>
-              <a:rPr lang="ru-RU" dirty="0" smtClean="0"/>
+              <a:rPr lang="ru-RU" dirty="0"/>
               <a:t> временем) – задача не решаема вычислительно</a:t>
             </a:r>
           </a:p>
           <a:p>
             <a:r>
-              <a:rPr lang="ru-RU" dirty="0" smtClean="0"/>
+              <a:rPr lang="ru-RU" dirty="0"/>
               <a:t>=</a:t>
             </a:r>
             <a:r>
-              <a:rPr lang="en-US" dirty="0" smtClean="0"/>
+              <a:rPr lang="en-US" dirty="0"/>
               <a:t>&gt; </a:t>
             </a:r>
             <a:r>
-              <a:rPr lang="ru-RU" dirty="0" smtClean="0"/>
+              <a:rPr lang="ru-RU" dirty="0"/>
               <a:t>алгоритм должен выполнять  за конечное время</a:t>
             </a:r>
-            <a:endParaRPr lang="ru-RU" dirty="0"/>
           </a:p>
         </p:txBody>
       </p:sp>
@@ -4345,13 +4288,6 @@
   <p:clrMapOvr>
     <a:masterClrMapping/>
   </p:clrMapOvr>
-  <p:timing>
-    <p:tnLst>
-      <p:par>
-        <p:cTn id="1" dur="indefinite" restart="never" nodeType="tmRoot"/>
-      </p:par>
-    </p:tnLst>
-  </p:timing>
 </p:sld>
 </file>
 
@@ -4424,15 +4360,15 @@
                   <a:buNone/>
                 </a:pPr>
                 <a:r>
-                  <a:rPr lang="ru-RU" dirty="0" smtClean="0"/>
+                  <a:rPr lang="ru-RU" dirty="0"/>
                   <a:t>Оценим, как быстро мы можем наращивать вычислительные мощности.</a:t>
                 </a:r>
                 <a:r>
-                  <a:rPr lang="en-US" dirty="0" smtClean="0"/>
+                  <a:rPr lang="en-US" dirty="0"/>
                   <a:t> </a:t>
                 </a:r>
                 <a:r>
-                  <a:rPr lang="ru-RU" dirty="0" smtClean="0"/>
+                  <a:rPr lang="ru-RU" dirty="0"/>
                   <a:t>Фиксируем некоторую константу </a:t>
                 </a:r>
                 <a14:m>
@@ -4458,17 +4394,17 @@
                   </m:oMath>
                 </a14:m>
                 <a:r>
-                  <a:rPr lang="en-US" dirty="0" smtClean="0"/>
+                  <a:rPr lang="en-US" dirty="0"/>
                   <a:t> (</a:t>
                 </a:r>
                 <a:r>
-                  <a:rPr lang="ru-RU" dirty="0" smtClean="0"/>
+                  <a:rPr lang="ru-RU" dirty="0"/>
                   <a:t>например 3)</a:t>
                 </a:r>
               </a:p>
               <a:p>
                 <a:r>
-                  <a:rPr lang="ru-RU" dirty="0" smtClean="0"/>
+                  <a:rPr lang="ru-RU" dirty="0"/>
                   <a:t>Пусть компьютер студента совершает </a:t>
                 </a:r>
                 <a14:m>
@@ -4482,33 +4418,33 @@
                   </m:oMath>
                 </a14:m>
                 <a:r>
-                  <a:rPr lang="ru-RU" dirty="0" smtClean="0"/>
+                  <a:rPr lang="ru-RU" dirty="0"/>
                   <a:t> простейших операций</a:t>
                 </a:r>
                 <a:r>
-                  <a:rPr lang="en-US" dirty="0" smtClean="0"/>
+                  <a:rPr lang="en-US" dirty="0"/>
                   <a:t> </a:t>
                 </a:r>
                 <a:r>
-                  <a:rPr lang="ru-RU" dirty="0" smtClean="0"/>
+                  <a:rPr lang="ru-RU" dirty="0"/>
                   <a:t>за 0,01 с.</a:t>
                 </a:r>
               </a:p>
               <a:p>
                 <a:r>
-                  <a:rPr lang="en-US" dirty="0" smtClean="0"/>
+                  <a:rPr lang="en-US" dirty="0"/>
                   <a:t>C</a:t>
                 </a:r>
                 <a:r>
-                  <a:rPr lang="ru-RU" dirty="0" smtClean="0"/>
+                  <a:rPr lang="ru-RU" dirty="0"/>
                   <a:t>студент может подождать</a:t>
                 </a:r>
                 <a:r>
-                  <a:rPr lang="en-US" dirty="0" smtClean="0"/>
+                  <a:rPr lang="en-US" dirty="0"/>
                   <a:t> </a:t>
                 </a:r>
                 <a:r>
-                  <a:rPr lang="ru-RU" dirty="0" smtClean="0"/>
+                  <a:rPr lang="ru-RU" dirty="0"/>
                   <a:t>в </a:t>
                 </a:r>
                 <a14:m>
@@ -4522,7 +4458,7 @@
                   </m:oMath>
                 </a14:m>
                 <a:r>
-                  <a:rPr lang="ru-RU" dirty="0" smtClean="0"/>
+                  <a:rPr lang="ru-RU" dirty="0"/>
                   <a:t> раз больше времени и совершить </a:t>
                 </a:r>
                 <a14:m>
@@ -4554,13 +4490,13 @@
                   </m:oMath>
                 </a14:m>
                 <a:r>
-                  <a:rPr lang="ru-RU" dirty="0" smtClean="0"/>
+                  <a:rPr lang="ru-RU" dirty="0"/>
                   <a:t>простейших операций</a:t>
                 </a:r>
               </a:p>
               <a:p>
                 <a:r>
-                  <a:rPr lang="ru-RU" dirty="0" smtClean="0"/>
+                  <a:rPr lang="ru-RU" dirty="0"/>
                   <a:t>Студент может попросить </a:t>
                 </a:r>
                 <a14:m>
@@ -4574,15 +4510,15 @@
                   </m:oMath>
                 </a14:m>
                 <a:r>
-                  <a:rPr lang="ru-RU" dirty="0" smtClean="0"/>
+                  <a:rPr lang="ru-RU" dirty="0"/>
                   <a:t> </a:t>
                 </a:r>
                 <a:r>
-                  <a:rPr lang="ru-RU" dirty="0" err="1" smtClean="0"/>
+                  <a:rPr lang="ru-RU" dirty="0" err="1"/>
                   <a:t>одногруппников</a:t>
                 </a:r>
                 <a:r>
-                  <a:rPr lang="ru-RU" dirty="0" smtClean="0"/>
+                  <a:rPr lang="ru-RU" dirty="0"/>
                   <a:t> помочь с вычислениями, имея в итоге  </a:t>
                 </a:r>
                 <a14:m>
@@ -4621,17 +4557,17 @@
                   </m:oMath>
                 </a14:m>
                 <a:r>
-                  <a:rPr lang="en-US" dirty="0" smtClean="0"/>
+                  <a:rPr lang="en-US" dirty="0"/>
                   <a:t> </a:t>
                 </a:r>
                 <a:r>
-                  <a:rPr lang="ru-RU" dirty="0" smtClean="0"/>
+                  <a:rPr lang="ru-RU" dirty="0"/>
                   <a:t>вычисленных операций</a:t>
                 </a:r>
               </a:p>
               <a:p>
                 <a:r>
-                  <a:rPr lang="ru-RU" dirty="0" smtClean="0"/>
+                  <a:rPr lang="ru-RU" dirty="0"/>
                   <a:t>Имея </a:t>
                 </a:r>
                 <a14:m>
@@ -4645,11 +4581,11 @@
                   </m:oMath>
                 </a14:m>
                 <a:r>
-                  <a:rPr lang="en-US" dirty="0" smtClean="0"/>
+                  <a:rPr lang="en-US" dirty="0"/>
                   <a:t> </a:t>
                 </a:r>
                 <a:r>
-                  <a:rPr lang="ru-RU" dirty="0" smtClean="0"/>
+                  <a:rPr lang="ru-RU" dirty="0"/>
                   <a:t>групп в потоке из </a:t>
                 </a:r>
                 <a14:m>
@@ -4663,11 +4599,11 @@
                   </m:oMath>
                 </a14:m>
                 <a:r>
-                  <a:rPr lang="en-US" dirty="0" smtClean="0"/>
+                  <a:rPr lang="en-US" dirty="0"/>
                   <a:t> </a:t>
                 </a:r>
                 <a:r>
-                  <a:rPr lang="ru-RU" dirty="0" smtClean="0"/>
+                  <a:rPr lang="ru-RU" dirty="0"/>
                   <a:t>студентов, можно вычислить </a:t>
                 </a:r>
                 <a14:m>
@@ -4706,17 +4642,17 @@
                   </m:oMath>
                 </a14:m>
                 <a:r>
-                  <a:rPr lang="en-US" dirty="0" smtClean="0"/>
+                  <a:rPr lang="en-US" dirty="0"/>
                   <a:t> </a:t>
                 </a:r>
                 <a:r>
-                  <a:rPr lang="ru-RU" dirty="0" smtClean="0"/>
+                  <a:rPr lang="ru-RU" dirty="0"/>
                   <a:t>опеаций</a:t>
                 </a:r>
               </a:p>
               <a:p>
                 <a:r>
-                  <a:rPr lang="ru-RU" dirty="0" smtClean="0"/>
+                  <a:rPr lang="ru-RU" dirty="0"/>
                   <a:t>Имея </a:t>
                 </a:r>
                 <a14:m>
@@ -4730,7 +4666,7 @@
                   </m:oMath>
                 </a14:m>
                 <a:r>
-                  <a:rPr lang="ru-RU" dirty="0" smtClean="0"/>
+                  <a:rPr lang="ru-RU" dirty="0"/>
                   <a:t> факультетов имеет </a:t>
                 </a:r>
                 <a14:m>
@@ -4769,11 +4705,11 @@
                   </m:oMath>
                 </a14:m>
                 <a:r>
-                  <a:rPr lang="en-US" dirty="0" smtClean="0"/>
+                  <a:rPr lang="en-US" dirty="0"/>
                   <a:t> </a:t>
                 </a:r>
                 <a:r>
-                  <a:rPr lang="ru-RU" dirty="0" smtClean="0"/>
+                  <a:rPr lang="ru-RU" dirty="0"/>
                   <a:t>операций</a:t>
                 </a:r>
               </a:p>
@@ -4789,11 +4725,11 @@
                   </m:oMath>
                 </a14:m>
                 <a:r>
-                  <a:rPr lang="en-US" dirty="0" smtClean="0"/>
+                  <a:rPr lang="en-US" dirty="0"/>
                   <a:t> </a:t>
                 </a:r>
                 <a:r>
-                  <a:rPr lang="ru-RU" dirty="0" smtClean="0"/>
+                  <a:rPr lang="ru-RU" dirty="0"/>
                   <a:t>вузов - </a:t>
                 </a:r>
                 <a14:m>
@@ -4907,13 +4843,6 @@
   <p:clrMapOvr>
     <a:masterClrMapping/>
   </p:clrMapOvr>
-  <p:timing>
-    <p:tnLst>
-      <p:par>
-        <p:cTn id="1" dur="indefinite" restart="never" nodeType="tmRoot"/>
-      </p:par>
-    </p:tnLst>
-  </p:timing>
 </p:sld>
 </file>
 
@@ -4986,7 +4915,7 @@
                   <a:buNone/>
                 </a:pPr>
                 <a:r>
-                  <a:rPr lang="ru-RU" dirty="0" smtClean="0"/>
+                  <a:rPr lang="ru-RU" dirty="0"/>
                   <a:t>В общем случае при фиксированной «глубине» увеличения мощностей </a:t>
                 </a:r>
                 <a14:m>
@@ -5000,7 +4929,7 @@
                   </m:oMath>
                 </a14:m>
                 <a:r>
-                  <a:rPr lang="ru-RU" dirty="0" smtClean="0"/>
+                  <a:rPr lang="ru-RU" dirty="0"/>
                   <a:t> получаем полином степени </a:t>
                 </a:r>
                 <a14:m>
@@ -5014,7 +4943,7 @@
                   </m:oMath>
                 </a14:m>
                 <a:r>
-                  <a:rPr lang="ru-RU" dirty="0" smtClean="0"/>
+                  <a:rPr lang="ru-RU" dirty="0"/>
                   <a:t> от некоторого параметра </a:t>
                 </a:r>
                 <a14:m>
@@ -5028,16 +4957,8 @@
                   </m:oMath>
                 </a14:m>
                 <a:r>
-                  <a:rPr lang="ru-RU" dirty="0" smtClean="0"/>
-                  <a:t>.</a:t>
-                </a:r>
-                <a:r>
                   <a:rPr lang="ru-RU" dirty="0"/>
-                  <a:t> </a:t>
-                </a:r>
-                <a:r>
-                  <a:rPr lang="ru-RU" dirty="0" smtClean="0"/>
-                  <a:t>Т.е. получаем полиномиальный рост от некоторого параметра </a:t>
+                  <a:t>. Т.е. получаем полиномиальный рост от некоторого параметра </a:t>
                 </a:r>
                 <a14:m>
                   <m:oMath xmlns:m="http://schemas.openxmlformats.org/officeDocument/2006/math">
@@ -5050,10 +4971,10 @@
                   </m:oMath>
                 </a14:m>
                 <a:r>
-                  <a:rPr lang="ru-RU" dirty="0" smtClean="0"/>
+                  <a:rPr lang="ru-RU" dirty="0"/>
                   <a:t>.</a:t>
                 </a:r>
-                <a:endParaRPr lang="en-US" dirty="0" smtClean="0"/>
+                <a:endParaRPr lang="en-US" dirty="0"/>
               </a:p>
               <a:p>
                 <a:pPr marL="0" indent="0">
@@ -5066,15 +4987,15 @@
                   <a:buNone/>
                 </a:pPr>
                 <a:r>
-                  <a:rPr lang="ru-RU" dirty="0" smtClean="0"/>
+                  <a:rPr lang="ru-RU" dirty="0"/>
                   <a:t>Если же мы хотим обеспечить экспоненциальный рост, то мы должны расти «</a:t>
                 </a:r>
                 <a:r>
-                  <a:rPr lang="ru-RU" dirty="0" err="1" smtClean="0"/>
+                  <a:rPr lang="ru-RU" dirty="0" err="1"/>
                   <a:t>вглубину</a:t>
                 </a:r>
                 <a:r>
-                  <a:rPr lang="ru-RU" dirty="0" smtClean="0"/>
+                  <a:rPr lang="ru-RU" dirty="0"/>
                   <a:t>» от параметра </a:t>
                 </a:r>
                 <a14:m>
@@ -5088,15 +5009,15 @@
                   </m:oMath>
                 </a14:m>
                 <a:r>
-                  <a:rPr lang="ru-RU" dirty="0" smtClean="0"/>
+                  <a:rPr lang="ru-RU" dirty="0"/>
                   <a:t>, но данный рост довольно быстро будет сложно реализовать с практической точки зрения (из примера ранее на</a:t>
                 </a:r>
                 <a:r>
-                  <a:rPr lang="en-US" dirty="0" smtClean="0"/>
+                  <a:rPr lang="en-US" dirty="0"/>
                   <a:t> 6-7 </a:t>
                 </a:r>
                 <a:r>
-                  <a:rPr lang="ru-RU" dirty="0" smtClean="0"/>
+                  <a:rPr lang="ru-RU" dirty="0"/>
                   <a:t>глубине роста у нас кончатся государства).</a:t>
                 </a:r>
               </a:p>
@@ -5104,7 +5025,7 @@
                 <a:pPr marL="0" indent="0">
                   <a:buNone/>
                 </a:pPr>
-                <a:endParaRPr lang="ru-RU" dirty="0" smtClean="0"/>
+                <a:endParaRPr lang="ru-RU" dirty="0"/>
               </a:p>
             </p:txBody>
           </p:sp>
@@ -5180,13 +5101,6 @@
   <p:clrMapOvr>
     <a:masterClrMapping/>
   </p:clrMapOvr>
-  <p:timing>
-    <p:tnLst>
-      <p:par>
-        <p:cTn id="1" dur="indefinite" restart="never" nodeType="tmRoot"/>
-      </p:par>
-    </p:tnLst>
-  </p:timing>
 </p:sld>
 </file>
 
@@ -5249,7 +5163,7 @@
               <a:lstStyle/>
               <a:p>
                 <a:r>
-                  <a:rPr lang="ru-RU" dirty="0" smtClean="0"/>
+                  <a:rPr lang="ru-RU" dirty="0"/>
                   <a:t>Каким может быть </a:t>
                 </a:r>
                 <a14:m>
@@ -5268,11 +5182,11 @@
                     </m:r>
                   </m:oMath>
                 </a14:m>
-                <a:endParaRPr lang="ru-RU" dirty="0" smtClean="0"/>
+                <a:endParaRPr lang="ru-RU" dirty="0"/>
               </a:p>
               <a:p>
                 <a:r>
-                  <a:rPr lang="ru-RU" dirty="0" smtClean="0"/>
+                  <a:rPr lang="ru-RU" dirty="0"/>
                   <a:t>Очевидно, некоторой «разумной» ограниченной величиной…. Например </a:t>
                 </a:r>
                 <a14:m>
@@ -5285,19 +5199,19 @@
                     </m:r>
                   </m:oMath>
                 </a14:m>
-                <a:endParaRPr lang="ru-RU" dirty="0" smtClean="0"/>
+                <a:endParaRPr lang="ru-RU" dirty="0"/>
               </a:p>
               <a:p>
                 <a:r>
-                  <a:rPr lang="ru-RU" dirty="0" smtClean="0"/>
+                  <a:rPr lang="ru-RU" dirty="0"/>
                   <a:t>Итого мы имеем</a:t>
                 </a:r>
                 <a:r>
-                  <a:rPr lang="en-US" dirty="0" smtClean="0"/>
+                  <a:rPr lang="en-US" dirty="0"/>
                   <a:t> </a:t>
                 </a:r>
                 <a:r>
-                  <a:rPr lang="ru-RU" dirty="0" smtClean="0"/>
+                  <a:rPr lang="ru-RU" dirty="0"/>
                   <a:t>возможность получить вычислительные мощности порядка </a:t>
                 </a:r>
                 <a14:m>
@@ -5376,39 +5290,38 @@
                   </m:oMath>
                 </a14:m>
                 <a:r>
-                  <a:rPr lang="en-US" dirty="0" smtClean="0"/>
+                  <a:rPr lang="en-US" dirty="0"/>
                   <a:t> </a:t>
                 </a:r>
                 <a:r>
-                  <a:rPr lang="ru-RU" dirty="0" smtClean="0"/>
+                  <a:rPr lang="ru-RU" dirty="0"/>
                   <a:t>- полином</a:t>
                 </a:r>
               </a:p>
               <a:p>
                 <a:r>
-                  <a:rPr lang="ru-RU" dirty="0" smtClean="0"/>
+                  <a:rPr lang="ru-RU" dirty="0"/>
                   <a:t>Можем наращивать вычислительные мощности </a:t>
                 </a:r>
                 <a:r>
-                  <a:rPr lang="ru-RU" dirty="0" err="1" smtClean="0"/>
+                  <a:rPr lang="ru-RU" dirty="0" err="1"/>
                   <a:t>полиномиально</a:t>
                 </a:r>
-                <a:endParaRPr lang="ru-RU" dirty="0" smtClean="0"/>
+                <a:endParaRPr lang="ru-RU" dirty="0"/>
               </a:p>
               <a:p>
                 <a:r>
-                  <a:rPr lang="ru-RU" dirty="0" smtClean="0"/>
+                  <a:rPr lang="ru-RU" dirty="0"/>
                   <a:t>Т.е. имея задачу, сложность вычисления которой растёт </a:t>
                 </a:r>
                 <a:r>
-                  <a:rPr lang="ru-RU" dirty="0" err="1" smtClean="0"/>
+                  <a:rPr lang="ru-RU" dirty="0" err="1"/>
                   <a:t>полиномиально</a:t>
                 </a:r>
                 <a:r>
-                  <a:rPr lang="ru-RU" dirty="0" smtClean="0"/>
+                  <a:rPr lang="ru-RU" dirty="0"/>
                   <a:t> от размера входа, мы можем решить её, наращивая мощности</a:t>
                 </a:r>
-                <a:endParaRPr lang="ru-RU" dirty="0"/>
               </a:p>
             </p:txBody>
           </p:sp>
@@ -5480,13 +5393,6 @@
   <p:clrMapOvr>
     <a:masterClrMapping/>
   </p:clrMapOvr>
-  <p:timing>
-    <p:tnLst>
-      <p:par>
-        <p:cTn id="1" dur="indefinite" restart="never" nodeType="tmRoot"/>
-      </p:par>
-    </p:tnLst>
-  </p:timing>
 </p:sld>
 </file>
 
@@ -5552,7 +5458,7 @@
                   <a:buNone/>
                 </a:pPr>
                 <a:r>
-                  <a:rPr lang="ru-RU" dirty="0" smtClean="0"/>
+                  <a:rPr lang="ru-RU" dirty="0"/>
                   <a:t>Рассмотрим экспоненциальных рост, т.е. (для примера) рост порядка </a:t>
                 </a:r>
                 <a14:m>
@@ -5591,10 +5497,10 @@
                   </m:oMath>
                 </a14:m>
                 <a:r>
-                  <a:rPr lang="ru-RU" dirty="0" smtClean="0"/>
+                  <a:rPr lang="ru-RU" dirty="0"/>
                   <a:t> Из «здравого смысла» следует, что при увеличении роста сложности, студенту необходимо не только искать больше студентов – групп - факультетов – вузов, но и уходить с каждым разом в более укрупнённые объекты.</a:t>
                 </a:r>
-                <a:endParaRPr lang="en-US" dirty="0" smtClean="0"/>
+                <a:endParaRPr lang="en-US" dirty="0"/>
               </a:p>
               <a:p>
                 <a:pPr marL="0" indent="0">
@@ -5607,7 +5513,7 @@
                   <a:buNone/>
                 </a:pPr>
                 <a:r>
-                  <a:rPr lang="ru-RU" dirty="0" smtClean="0"/>
+                  <a:rPr lang="ru-RU" dirty="0"/>
                   <a:t>Экспоненты (показательные функции, факториалы) растут много быстрее полиномов, и мы не можем «угнаться» за их порядком роста, наращивая мощности.</a:t>
                 </a:r>
               </a:p>
@@ -5687,13 +5593,6 @@
   <p:clrMapOvr>
     <a:masterClrMapping/>
   </p:clrMapOvr>
-  <p:timing>
-    <p:tnLst>
-      <p:par>
-        <p:cTn id="1" dur="indefinite" restart="never" nodeType="tmRoot"/>
-      </p:par>
-    </p:tnLst>
-  </p:timing>
 </p:sld>
 </file>
 
@@ -5730,10 +5629,9 @@
           <a:lstStyle/>
           <a:p>
             <a:r>
-              <a:rPr lang="ru-RU" dirty="0" smtClean="0"/>
+              <a:rPr lang="ru-RU" dirty="0"/>
               <a:t>Классы вычислительной сложности</a:t>
             </a:r>
-            <a:endParaRPr lang="ru-RU" dirty="0"/>
           </a:p>
         </p:txBody>
       </p:sp>
@@ -5760,79 +5658,79 @@
           <a:lstStyle/>
           <a:p>
             <a:r>
-              <a:rPr lang="ru-RU" dirty="0" smtClean="0"/>
+              <a:rPr lang="ru-RU" dirty="0"/>
               <a:t>«разумная» ограниченная величина – полиномиальная</a:t>
             </a:r>
           </a:p>
           <a:p>
             <a:r>
-              <a:rPr lang="ru-RU" dirty="0" smtClean="0"/>
+              <a:rPr lang="ru-RU" dirty="0"/>
               <a:t>Экспоненциальная - недостижимая</a:t>
             </a:r>
           </a:p>
           <a:p>
             <a:r>
-              <a:rPr lang="ru-RU" dirty="0" smtClean="0"/>
+              <a:rPr lang="ru-RU" dirty="0"/>
               <a:t>Класс </a:t>
             </a:r>
             <a:r>
-              <a:rPr lang="en-US" dirty="0" smtClean="0"/>
+              <a:rPr lang="en-US" dirty="0"/>
               <a:t>PSPACE – </a:t>
             </a:r>
             <a:r>
-              <a:rPr lang="ru-RU" dirty="0" smtClean="0"/>
+              <a:rPr lang="ru-RU" dirty="0"/>
               <a:t>класс задач, имеющих полиномиальных размер входных данных (т.е. данные «разумных размеров»)</a:t>
             </a:r>
           </a:p>
           <a:p>
             <a:r>
-              <a:rPr lang="ru-RU" dirty="0" smtClean="0"/>
+              <a:rPr lang="ru-RU" dirty="0"/>
               <a:t>Классы вне </a:t>
             </a:r>
             <a:r>
-              <a:rPr lang="en-US" dirty="0" smtClean="0"/>
+              <a:rPr lang="en-US" dirty="0"/>
               <a:t>PSPACE </a:t>
             </a:r>
             <a:r>
-              <a:rPr lang="ru-RU" dirty="0" smtClean="0"/>
+              <a:rPr lang="ru-RU" dirty="0"/>
               <a:t>– </a:t>
             </a:r>
             <a:r>
-              <a:rPr lang="ru-RU" dirty="0" err="1" smtClean="0"/>
+              <a:rPr lang="ru-RU" dirty="0" err="1"/>
               <a:t>невычислимы</a:t>
             </a:r>
             <a:r>
-              <a:rPr lang="ru-RU" dirty="0" smtClean="0"/>
+              <a:rPr lang="ru-RU" dirty="0"/>
               <a:t>, т.к. требуют </a:t>
             </a:r>
             <a:r>
-              <a:rPr lang="ru-RU" dirty="0" err="1" smtClean="0"/>
+              <a:rPr lang="ru-RU" dirty="0" err="1"/>
               <a:t>неполиномиального</a:t>
             </a:r>
             <a:r>
-              <a:rPr lang="ru-RU" dirty="0" smtClean="0"/>
+              <a:rPr lang="ru-RU" dirty="0"/>
               <a:t> числа операций для обработки ввода</a:t>
             </a:r>
           </a:p>
           <a:p>
             <a:r>
-              <a:rPr lang="ru-RU" dirty="0" smtClean="0"/>
+              <a:rPr lang="ru-RU" dirty="0"/>
               <a:t>Класс </a:t>
             </a:r>
             <a:r>
-              <a:rPr lang="en-US" dirty="0" smtClean="0"/>
+              <a:rPr lang="en-US" dirty="0"/>
               <a:t>P </a:t>
             </a:r>
             <a:r>
-              <a:rPr lang="ru-RU" dirty="0" smtClean="0"/>
+              <a:rPr lang="ru-RU" dirty="0"/>
               <a:t>– класс задач, решаемых </a:t>
             </a:r>
             <a:r>
-              <a:rPr lang="ru-RU" dirty="0" err="1" smtClean="0"/>
+              <a:rPr lang="ru-RU" dirty="0" err="1"/>
               <a:t>детерминированно</a:t>
             </a:r>
             <a:r>
-              <a:rPr lang="ru-RU" dirty="0" smtClean="0"/>
+              <a:rPr lang="ru-RU" dirty="0"/>
               <a:t> (определённым известным наперёд образом) за полиномиальное время (т.е. вычислимые задачи)</a:t>
             </a:r>
           </a:p>
@@ -5875,7 +5773,7 @@
           <a:p>
             <a:pPr algn="ctr"/>
             <a:r>
-              <a:rPr lang="en-US" dirty="0" smtClean="0"/>
+              <a:rPr lang="en-US" dirty="0"/>
               <a:t>PSPACE</a:t>
             </a:r>
             <a:endParaRPr lang="ru-RU" dirty="0"/>
@@ -5917,7 +5815,7 @@
           <a:p>
             <a:pPr algn="ctr"/>
             <a:r>
-              <a:rPr lang="en-US" dirty="0" smtClean="0"/>
+              <a:rPr lang="en-US" dirty="0"/>
               <a:t>P</a:t>
             </a:r>
             <a:endParaRPr lang="ru-RU" dirty="0"/>
@@ -5957,13 +5855,6 @@
   <p:clrMapOvr>
     <a:masterClrMapping/>
   </p:clrMapOvr>
-  <p:timing>
-    <p:tnLst>
-      <p:par>
-        <p:cTn id="1" dur="indefinite" restart="never" nodeType="tmRoot"/>
-      </p:par>
-    </p:tnLst>
-  </p:timing>
 </p:sld>
 </file>
 
@@ -6000,11 +5891,11 @@
           <a:lstStyle/>
           <a:p>
             <a:r>
-              <a:rPr lang="ru-RU" dirty="0" smtClean="0"/>
+              <a:rPr lang="ru-RU" dirty="0"/>
               <a:t>Класс </a:t>
             </a:r>
             <a:r>
-              <a:rPr lang="en-US" dirty="0" smtClean="0"/>
+              <a:rPr lang="en-US" dirty="0"/>
               <a:t>NP</a:t>
             </a:r>
             <a:endParaRPr lang="ru-RU" dirty="0"/>
@@ -6029,7 +5920,7 @@
               <a:lstStyle/>
               <a:p>
                 <a:r>
-                  <a:rPr lang="ru-RU" dirty="0" smtClean="0"/>
+                  <a:rPr lang="ru-RU" dirty="0"/>
                   <a:t>Класс </a:t>
                 </a:r>
                 <a:r>
@@ -6038,20 +5929,16 @@
                 </a:r>
                 <a:r>
                   <a:rPr lang="ru-RU" dirty="0"/>
-                  <a:t>класс задач, решаемых за полиномиальное время, «при наличии ответа» (т.е. задачи, для которых проверить ответ возможно за полиномиальное время</a:t>
-                </a:r>
-                <a:r>
-                  <a:rPr lang="ru-RU" dirty="0" smtClean="0"/>
-                  <a:t>)</a:t>
-                </a:r>
-                <a:r>
-                  <a:rPr lang="en-US" dirty="0" smtClean="0"/>
+                  <a:t>класс задач, решаемых за полиномиальное время, «при наличии ответа» (т.е. задачи, для которых проверить ответ возможно за полиномиальное время)</a:t>
+                </a:r>
+                <a:r>
+                  <a:rPr lang="en-US" dirty="0"/>
                   <a:t>.</a:t>
                 </a:r>
               </a:p>
               <a:p>
                 <a:r>
-                  <a:rPr lang="ru-RU" dirty="0" smtClean="0"/>
+                  <a:rPr lang="ru-RU" dirty="0"/>
                   <a:t>Алгоритм задачи </a:t>
                 </a:r>
                 <a14:m>
@@ -6065,7 +5952,7 @@
                   </m:oMath>
                 </a14:m>
                 <a:r>
-                  <a:rPr lang="ru-RU" dirty="0" smtClean="0"/>
+                  <a:rPr lang="ru-RU" dirty="0"/>
                   <a:t> назовём сводимым к алгоритму задачи </a:t>
                 </a:r>
                 <a14:m>
@@ -6079,7 +5966,7 @@
                   </m:oMath>
                 </a14:m>
                 <a:r>
-                  <a:rPr lang="ru-RU" dirty="0" smtClean="0"/>
+                  <a:rPr lang="ru-RU" dirty="0"/>
                   <a:t>, если существует алгоритм </a:t>
                 </a:r>
                 <a14:m>
@@ -6111,28 +5998,12 @@
                   </m:oMath>
                 </a14:m>
                 <a:r>
-                  <a:rPr lang="ru-RU" i="1" dirty="0" smtClean="0"/>
+                  <a:rPr lang="ru-RU" i="1" dirty="0"/>
                   <a:t> </a:t>
                 </a:r>
                 <a:r>
-                  <a:rPr lang="ru-RU" b="1" dirty="0" smtClean="0"/>
-                  <a:t>с полиномиальной сложность</a:t>
-                </a:r>
-                <a:r>
                   <a:rPr lang="ru-RU" b="1" dirty="0"/>
-                  <a:t>ю</a:t>
-                </a:r>
-                <a:r>
-                  <a:rPr lang="ru-RU" b="1" dirty="0" smtClean="0"/>
-                  <a:t> </a:t>
-                </a:r>
-                <a:r>
-                  <a:rPr lang="ru-RU" b="1" dirty="0"/>
-                  <a:t>в</a:t>
-                </a:r>
-                <a:r>
-                  <a:rPr lang="ru-RU" b="1" dirty="0" smtClean="0"/>
-                  <a:t>не вычисления </a:t>
+                  <a:t>с полиномиальной сложностью вне вычисления </a:t>
                 </a:r>
                 <a14:m>
                   <m:oMath xmlns:m="http://schemas.openxmlformats.org/officeDocument/2006/math">
@@ -6145,11 +6016,11 @@
                   </m:oMath>
                 </a14:m>
                 <a:r>
-                  <a:rPr lang="ru-RU" i="1" dirty="0" smtClean="0"/>
+                  <a:rPr lang="ru-RU" i="1" dirty="0"/>
                   <a:t>, </a:t>
                 </a:r>
                 <a:r>
-                  <a:rPr lang="ru-RU" dirty="0" smtClean="0"/>
+                  <a:rPr lang="ru-RU" dirty="0"/>
                   <a:t>решающий задачу </a:t>
                 </a:r>
                 <a14:m>
@@ -6163,11 +6034,11 @@
                   </m:oMath>
                 </a14:m>
                 <a:r>
-                  <a:rPr lang="ru-RU" i="1" dirty="0" smtClean="0"/>
+                  <a:rPr lang="ru-RU" i="1" dirty="0"/>
                   <a:t>. </a:t>
                 </a:r>
                 <a:r>
-                  <a:rPr lang="ru-RU" dirty="0" smtClean="0"/>
+                  <a:rPr lang="ru-RU" dirty="0"/>
                   <a:t>Обозначим </a:t>
                 </a:r>
                 <a14:m>
@@ -6217,7 +6088,7 @@
                     </m:r>
                   </m:oMath>
                 </a14:m>
-                <a:endParaRPr lang="en-US" i="1" dirty="0" smtClean="0"/>
+                <a:endParaRPr lang="en-US" i="1" dirty="0"/>
               </a:p>
               <a:p>
                 <a:r>
@@ -6225,7 +6096,7 @@
                   <a:t>NP-complete</a:t>
                 </a:r>
                 <a:r>
-                  <a:rPr lang="ru-RU" dirty="0" smtClean="0"/>
+                  <a:rPr lang="ru-RU" dirty="0"/>
                   <a:t> – задачи </a:t>
                 </a:r>
                 <a14:m>
@@ -6337,15 +6208,15 @@
                   </m:oMath>
                 </a14:m>
                 <a:r>
-                  <a:rPr lang="ru-RU" dirty="0" smtClean="0"/>
+                  <a:rPr lang="ru-RU" dirty="0"/>
                   <a:t> (т.е. задачи, </a:t>
                 </a:r>
                 <a:r>
-                  <a:rPr lang="ru-RU" dirty="0" err="1" smtClean="0"/>
+                  <a:rPr lang="ru-RU" dirty="0" err="1"/>
                   <a:t>полиномиально</a:t>
                 </a:r>
                 <a:r>
-                  <a:rPr lang="ru-RU" dirty="0" smtClean="0"/>
+                  <a:rPr lang="ru-RU" dirty="0"/>
                   <a:t> сводимые к друг другу).</a:t>
                 </a:r>
               </a:p>
@@ -6380,7 +6251,7 @@
                 </a:r>
               </a:p>
               <a:p>
-                <a:endParaRPr lang="ru-RU" dirty="0" smtClean="0"/>
+                <a:endParaRPr lang="ru-RU" dirty="0"/>
               </a:p>
               <a:p>
                 <a:endParaRPr lang="ru-RU" dirty="0"/>
@@ -6491,10 +6362,9 @@
           <a:lstStyle/>
           <a:p>
             <a:r>
-              <a:rPr lang="ru-RU" dirty="0" smtClean="0"/>
+              <a:rPr lang="ru-RU" dirty="0"/>
               <a:t>Что в теории способны вычислить компьютеры?</a:t>
             </a:r>
-            <a:endParaRPr lang="ru-RU" dirty="0"/>
           </a:p>
         </p:txBody>
       </p:sp>
@@ -6514,25 +6384,25 @@
           <a:lstStyle/>
           <a:p>
             <a:r>
-              <a:rPr lang="ru-RU" dirty="0" smtClean="0"/>
+              <a:rPr lang="ru-RU" dirty="0"/>
               <a:t>Что понимается под «вычислимостью», т.е. под теоретической или практической возможностью ответ на некоторую поставленную задачу?</a:t>
             </a:r>
           </a:p>
           <a:p>
             <a:r>
-              <a:rPr lang="ru-RU" dirty="0" smtClean="0"/>
+              <a:rPr lang="ru-RU" dirty="0"/>
               <a:t>В идеале ходим разделить класс вычислительных задач на 2 класса – вычислимые и невычислимые и научиться однозначно определять произвольную задачу в один из классов </a:t>
             </a:r>
           </a:p>
           <a:p>
             <a:r>
-              <a:rPr lang="ru-RU" dirty="0" smtClean="0"/>
+              <a:rPr lang="ru-RU" dirty="0"/>
               <a:t>Теория алгоритмов, теория автоматов, теория сложности вычислений….</a:t>
             </a:r>
           </a:p>
           <a:p>
             <a:r>
-              <a:rPr lang="ru-RU" dirty="0" smtClean="0"/>
+              <a:rPr lang="ru-RU" dirty="0"/>
               <a:t>…. Никто не знает ответа на данный вопрос</a:t>
             </a:r>
           </a:p>
@@ -6577,13 +6447,6 @@
   <p:clrMapOvr>
     <a:masterClrMapping/>
   </p:clrMapOvr>
-  <p:timing>
-    <p:tnLst>
-      <p:par>
-        <p:cTn id="1" dur="indefinite" restart="never" nodeType="tmRoot"/>
-      </p:par>
-    </p:tnLst>
-  </p:timing>
 </p:sld>
 </file>
 
@@ -6620,10 +6483,9 @@
           <a:lstStyle/>
           <a:p>
             <a:r>
-              <a:rPr lang="ru-RU" dirty="0" smtClean="0"/>
+              <a:rPr lang="ru-RU" dirty="0"/>
               <a:t>Классы вычислительной сложности</a:t>
             </a:r>
-            <a:endParaRPr lang="ru-RU" dirty="0"/>
           </a:p>
         </p:txBody>
       </p:sp>
@@ -6650,34 +6512,33 @@
           <a:lstStyle/>
           <a:p>
             <a:r>
-              <a:rPr lang="ru-RU" dirty="0" smtClean="0"/>
+              <a:rPr lang="ru-RU" dirty="0"/>
               <a:t>Как связаны </a:t>
             </a:r>
             <a:r>
-              <a:rPr lang="en-US" dirty="0" smtClean="0"/>
+              <a:rPr lang="en-US" dirty="0"/>
               <a:t>P </a:t>
             </a:r>
             <a:r>
-              <a:rPr lang="ru-RU" dirty="0" smtClean="0"/>
+              <a:rPr lang="ru-RU" dirty="0"/>
               <a:t>и </a:t>
             </a:r>
             <a:r>
-              <a:rPr lang="en-US" dirty="0" smtClean="0"/>
+              <a:rPr lang="en-US" dirty="0"/>
               <a:t>NP </a:t>
             </a:r>
             <a:r>
-              <a:rPr lang="ru-RU" dirty="0" smtClean="0"/>
+              <a:rPr lang="ru-RU" dirty="0"/>
               <a:t>и </a:t>
             </a:r>
             <a:r>
-              <a:rPr lang="en-US" dirty="0" smtClean="0"/>
+              <a:rPr lang="en-US" dirty="0"/>
               <a:t>NP-complete?</a:t>
             </a:r>
             <a:r>
-              <a:rPr lang="ru-RU" dirty="0" smtClean="0"/>
+              <a:rPr lang="ru-RU" dirty="0"/>
               <a:t> Никто не знает</a:t>
             </a:r>
-            <a:endParaRPr lang="ru-RU" dirty="0"/>
           </a:p>
         </p:txBody>
       </p:sp>
@@ -6718,7 +6579,7 @@
           <a:p>
             <a:pPr algn="ctr"/>
             <a:r>
-              <a:rPr lang="en-US" dirty="0" smtClean="0"/>
+              <a:rPr lang="en-US" dirty="0"/>
               <a:t>PSPACE</a:t>
             </a:r>
             <a:endParaRPr lang="ru-RU" dirty="0"/>
@@ -6760,7 +6621,7 @@
           <a:p>
             <a:pPr algn="ctr"/>
             <a:r>
-              <a:rPr lang="en-US" dirty="0" smtClean="0"/>
+              <a:rPr lang="en-US" dirty="0"/>
               <a:t>NP</a:t>
             </a:r>
             <a:endParaRPr lang="ru-RU" dirty="0"/>
@@ -6802,7 +6663,7 @@
           <a:p>
             <a:pPr algn="ctr"/>
             <a:r>
-              <a:rPr lang="en-US" dirty="0" smtClean="0"/>
+              <a:rPr lang="en-US" dirty="0"/>
               <a:t>P</a:t>
             </a:r>
             <a:endParaRPr lang="ru-RU" dirty="0"/>
@@ -6844,7 +6705,7 @@
           <a:p>
             <a:pPr algn="ctr"/>
             <a:r>
-              <a:rPr lang="en-US" dirty="0" smtClean="0"/>
+              <a:rPr lang="en-US" dirty="0"/>
               <a:t>NP-complete</a:t>
             </a:r>
             <a:endParaRPr lang="ru-RU" dirty="0"/>
@@ -6884,13 +6745,6 @@
   <p:clrMapOvr>
     <a:masterClrMapping/>
   </p:clrMapOvr>
-  <p:timing>
-    <p:tnLst>
-      <p:par>
-        <p:cTn id="1" dur="indefinite" restart="never" nodeType="tmRoot"/>
-      </p:par>
-    </p:tnLst>
-  </p:timing>
 </p:sld>
 </file>
 
@@ -6992,13 +6846,6 @@
   <p:clrMapOvr>
     <a:masterClrMapping/>
   </p:clrMapOvr>
-  <p:timing>
-    <p:tnLst>
-      <p:par>
-        <p:cTn id="1" dur="indefinite" restart="never" nodeType="tmRoot"/>
-      </p:par>
-    </p:tnLst>
-  </p:timing>
 </p:sld>
 </file>
 
@@ -7037,7 +6884,7 @@
               <a:lstStyle/>
               <a:p>
                 <a:r>
-                  <a:rPr lang="en-US" dirty="0" smtClean="0"/>
+                  <a:rPr lang="en-US" dirty="0"/>
                   <a:t>P</a:t>
                 </a:r>
                 <a14:m>
@@ -7051,7 +6898,7 @@
                   </m:oMath>
                 </a14:m>
                 <a:r>
-                  <a:rPr lang="en-US" dirty="0" smtClean="0"/>
+                  <a:rPr lang="en-US" dirty="0"/>
                   <a:t>NP</a:t>
                 </a:r>
                 <a:endParaRPr lang="ru-RU" dirty="0"/>
@@ -7115,29 +6962,29 @@
           </a:p>
           <a:p>
             <a:r>
-              <a:rPr lang="ru-RU" dirty="0" smtClean="0"/>
+              <a:rPr lang="ru-RU" dirty="0"/>
               <a:t>Существую задачи, которые возможно проверить, но невозможно (вычислительно) решить</a:t>
             </a:r>
           </a:p>
           <a:p>
-            <a:endParaRPr lang="ru-RU" dirty="0" smtClean="0"/>
-          </a:p>
-          <a:p>
-            <a:r>
-              <a:rPr lang="ru-RU" dirty="0" smtClean="0"/>
+            <a:endParaRPr lang="ru-RU" dirty="0"/>
+          </a:p>
+          <a:p>
+            <a:r>
+              <a:rPr lang="ru-RU" dirty="0"/>
               <a:t>Математически доказанная асимметрия</a:t>
             </a:r>
           </a:p>
           <a:p>
-            <a:endParaRPr lang="ru-RU" dirty="0" smtClean="0"/>
-          </a:p>
-          <a:p>
-            <a:r>
-              <a:rPr lang="ru-RU" dirty="0" smtClean="0"/>
+            <a:endParaRPr lang="ru-RU" dirty="0"/>
+          </a:p>
+          <a:p>
+            <a:r>
+              <a:rPr lang="ru-RU" dirty="0"/>
               <a:t>Счастье </a:t>
             </a:r>
             <a:r>
-              <a:rPr lang="ru-RU" dirty="0" err="1" smtClean="0"/>
+              <a:rPr lang="ru-RU" dirty="0" err="1"/>
               <a:t>криптографов</a:t>
             </a:r>
             <a:endParaRPr lang="ru-RU" dirty="0"/>
@@ -7177,13 +7024,6 @@
   <p:clrMapOvr>
     <a:masterClrMapping/>
   </p:clrMapOvr>
-  <p:timing>
-    <p:tnLst>
-      <p:par>
-        <p:cTn id="1" dur="indefinite" restart="never" nodeType="tmRoot"/>
-      </p:par>
-    </p:tnLst>
-  </p:timing>
 </p:sld>
 </file>
 
@@ -7220,7 +7060,7 @@
           <a:lstStyle/>
           <a:p>
             <a:r>
-              <a:rPr lang="en-US" dirty="0" smtClean="0"/>
+              <a:rPr lang="en-US" dirty="0"/>
               <a:t>P=NP</a:t>
             </a:r>
             <a:endParaRPr lang="ru-RU" dirty="0"/>
@@ -7243,36 +7083,35 @@
           <a:lstStyle/>
           <a:p>
             <a:r>
-              <a:rPr lang="ru-RU" dirty="0" smtClean="0"/>
+              <a:rPr lang="ru-RU" dirty="0"/>
               <a:t>Все задачи, которые легко проверить, возможно легко решить</a:t>
             </a:r>
           </a:p>
           <a:p>
-            <a:endParaRPr lang="ru-RU" dirty="0" smtClean="0"/>
-          </a:p>
-          <a:p>
-            <a:r>
-              <a:rPr lang="ru-RU" dirty="0" smtClean="0"/>
+            <a:endParaRPr lang="ru-RU" dirty="0"/>
+          </a:p>
+          <a:p>
+            <a:r>
+              <a:rPr lang="ru-RU" dirty="0"/>
               <a:t>Позволяет решить «нерешаемые» ныне задачи</a:t>
             </a:r>
           </a:p>
           <a:p>
-            <a:endParaRPr lang="ru-RU" dirty="0" smtClean="0"/>
-          </a:p>
-          <a:p>
-            <a:r>
-              <a:rPr lang="ru-RU" dirty="0" smtClean="0"/>
+            <a:endParaRPr lang="ru-RU" dirty="0"/>
+          </a:p>
+          <a:p>
+            <a:r>
+              <a:rPr lang="ru-RU" dirty="0"/>
               <a:t>Смерть</a:t>
             </a:r>
             <a:r>
-              <a:rPr lang="en-US" dirty="0" smtClean="0"/>
+              <a:rPr lang="en-US" dirty="0"/>
               <a:t> (</a:t>
             </a:r>
             <a:r>
-              <a:rPr lang="ru-RU" dirty="0" smtClean="0"/>
+              <a:rPr lang="ru-RU" dirty="0"/>
               <a:t>почти всей) криптографии (как симметричной, так и асимметричной)</a:t>
             </a:r>
-            <a:endParaRPr lang="ru-RU" dirty="0"/>
           </a:p>
         </p:txBody>
       </p:sp>
@@ -7309,13 +7148,6 @@
   <p:clrMapOvr>
     <a:masterClrMapping/>
   </p:clrMapOvr>
-  <p:timing>
-    <p:tnLst>
-      <p:par>
-        <p:cTn id="1" dur="indefinite" restart="never" nodeType="tmRoot"/>
-      </p:par>
-    </p:tnLst>
-  </p:timing>
 </p:sld>
 </file>
 
@@ -7352,10 +7184,9 @@
           <a:lstStyle/>
           <a:p>
             <a:r>
-              <a:rPr lang="ru-RU" dirty="0" smtClean="0"/>
+              <a:rPr lang="ru-RU" dirty="0"/>
               <a:t>Квантовые вычисления</a:t>
             </a:r>
-            <a:endParaRPr lang="ru-RU" dirty="0"/>
           </a:p>
         </p:txBody>
       </p:sp>
@@ -7385,47 +7216,16 @@
               <a:buNone/>
             </a:pPr>
             <a:r>
-              <a:rPr lang="ru-RU" dirty="0" smtClean="0"/>
+              <a:rPr lang="ru-RU" dirty="0"/>
               <a:t>Квантовый компьютер не решает все </a:t>
             </a:r>
             <a:r>
-              <a:rPr lang="en-US" dirty="0" smtClean="0"/>
+              <a:rPr lang="en-US" dirty="0"/>
               <a:t>NP </a:t>
             </a:r>
             <a:r>
-              <a:rPr lang="ru-RU" dirty="0" smtClean="0"/>
+              <a:rPr lang="ru-RU" dirty="0"/>
               <a:t>задачи</a:t>
-            </a:r>
-          </a:p>
-          <a:p>
-            <a:pPr marL="0" indent="0">
-              <a:buNone/>
-            </a:pPr>
-            <a:endParaRPr lang="ru-RU" dirty="0" smtClean="0"/>
-          </a:p>
-          <a:p>
-            <a:pPr marL="0" indent="0">
-              <a:buNone/>
-            </a:pPr>
-            <a:r>
-              <a:rPr lang="ru-RU" dirty="0" smtClean="0"/>
-              <a:t>Фактически решаются только 2 </a:t>
-            </a:r>
-            <a:r>
-              <a:rPr lang="en-US" dirty="0" smtClean="0"/>
-              <a:t>NP</a:t>
-            </a:r>
-            <a:r>
-              <a:rPr lang="ru-RU" dirty="0" smtClean="0"/>
-              <a:t> задачи – </a:t>
-            </a:r>
-            <a:r>
-              <a:rPr lang="ru-RU" dirty="0" err="1" smtClean="0"/>
-              <a:t>диксретного</a:t>
-            </a:r>
-            <a:r>
-              <a:rPr lang="ru-RU" dirty="0" smtClean="0"/>
-              <a:t> логарифмирования (факторизации) и поиска (поиска коллизий)</a:t>
             </a:r>
           </a:p>
           <a:p>
@@ -7439,22 +7239,53 @@
               <a:buNone/>
             </a:pPr>
             <a:r>
-              <a:rPr lang="ru-RU" dirty="0" smtClean="0"/>
+              <a:rPr lang="ru-RU" dirty="0"/>
+              <a:t>Фактически решаются только 2 </a:t>
+            </a:r>
+            <a:r>
+              <a:rPr lang="en-US" dirty="0"/>
+              <a:t>NP</a:t>
+            </a:r>
+            <a:r>
+              <a:rPr lang="ru-RU" dirty="0"/>
+              <a:t> задачи – </a:t>
+            </a:r>
+            <a:r>
+              <a:rPr lang="ru-RU" dirty="0" err="1"/>
+              <a:t>диксретного</a:t>
+            </a:r>
+            <a:r>
+              <a:rPr lang="ru-RU" dirty="0"/>
+              <a:t> логарифмирования (факторизации) и поиска (поиска коллизий)</a:t>
+            </a:r>
+          </a:p>
+          <a:p>
+            <a:pPr marL="0" indent="0">
+              <a:buNone/>
+            </a:pPr>
+            <a:endParaRPr lang="ru-RU" dirty="0"/>
+          </a:p>
+          <a:p>
+            <a:pPr marL="0" indent="0">
+              <a:buNone/>
+            </a:pPr>
+            <a:r>
+              <a:rPr lang="ru-RU" dirty="0"/>
               <a:t>Ещё одно косвенное свидетельство неравенства классов </a:t>
             </a:r>
             <a:r>
-              <a:rPr lang="en-US" b="0" i="0" dirty="0" smtClean="0"/>
+              <a:rPr lang="en-US" b="0" i="0" dirty="0"/>
               <a:t>N</a:t>
             </a:r>
             <a:r>
-              <a:rPr lang="ru-RU" dirty="0" smtClean="0"/>
+              <a:rPr lang="ru-RU" dirty="0"/>
               <a:t> и </a:t>
             </a:r>
             <a:r>
-              <a:rPr lang="en-US" dirty="0" smtClean="0"/>
+              <a:rPr lang="en-US" dirty="0"/>
               <a:t>NP</a:t>
             </a:r>
-            <a:endParaRPr lang="ru-RU" dirty="0" smtClean="0"/>
+            <a:endParaRPr lang="ru-RU" dirty="0"/>
           </a:p>
           <a:p>
             <a:pPr marL="0" indent="0">
@@ -7521,13 +7352,6 @@
   <p:clrMapOvr>
     <a:masterClrMapping/>
   </p:clrMapOvr>
-  <p:timing>
-    <p:tnLst>
-      <p:par>
-        <p:cTn id="1" dur="indefinite" restart="never" nodeType="tmRoot"/>
-      </p:par>
-    </p:tnLst>
-  </p:timing>
 </p:sld>
 </file>
 
@@ -7564,10 +7388,9 @@
           <a:lstStyle/>
           <a:p>
             <a:r>
-              <a:rPr lang="ru-RU" dirty="0" smtClean="0"/>
+              <a:rPr lang="ru-RU" dirty="0"/>
               <a:t>Какие вычислительные задачи теоретически возможно решить?</a:t>
             </a:r>
-            <a:endParaRPr lang="ru-RU" dirty="0"/>
           </a:p>
         </p:txBody>
       </p:sp>
@@ -7592,7 +7415,7 @@
               <a:buNone/>
             </a:pPr>
             <a:r>
-              <a:rPr lang="ru-RU" dirty="0" smtClean="0"/>
+              <a:rPr lang="ru-RU" dirty="0"/>
               <a:t>Предположение 4 - </a:t>
             </a:r>
           </a:p>
@@ -7601,30 +7424,30 @@
               <a:buNone/>
             </a:pPr>
             <a:r>
-              <a:rPr lang="ru-RU" dirty="0" smtClean="0"/>
+              <a:rPr lang="ru-RU" dirty="0"/>
               <a:t>Необходимые условия</a:t>
             </a:r>
             <a:r>
-              <a:rPr lang="en-US" dirty="0" smtClean="0"/>
+              <a:rPr lang="en-US" dirty="0"/>
               <a:t>:</a:t>
             </a:r>
-            <a:endParaRPr lang="ru-RU" dirty="0" smtClean="0"/>
-          </a:p>
-          <a:p>
-            <a:r>
-              <a:rPr lang="ru-RU" dirty="0" smtClean="0"/>
+            <a:endParaRPr lang="ru-RU" dirty="0"/>
+          </a:p>
+          <a:p>
+            <a:r>
+              <a:rPr lang="ru-RU" dirty="0"/>
               <a:t>Существование алгоритма</a:t>
             </a:r>
           </a:p>
           <a:p>
             <a:r>
-              <a:rPr lang="ru-RU" dirty="0" smtClean="0"/>
+              <a:rPr lang="ru-RU" dirty="0"/>
               <a:t>Конечное число шагов</a:t>
             </a:r>
           </a:p>
           <a:p>
             <a:r>
-              <a:rPr lang="ru-RU" dirty="0" smtClean="0"/>
+              <a:rPr lang="ru-RU" dirty="0"/>
               <a:t>Полиномиальной ограниченное пространство входов-выходов (скорее всего)</a:t>
             </a:r>
           </a:p>
@@ -7639,18 +7462,18 @@
               <a:buNone/>
             </a:pPr>
             <a:r>
-              <a:rPr lang="ru-RU" dirty="0" smtClean="0"/>
+              <a:rPr lang="ru-RU" dirty="0"/>
               <a:t>Достаточные</a:t>
             </a:r>
             <a:r>
-              <a:rPr lang="en-US" smtClean="0"/>
+              <a:rPr lang="en-US"/>
               <a:t>:</a:t>
             </a:r>
-            <a:endParaRPr lang="ru-RU" dirty="0" smtClean="0"/>
-          </a:p>
-          <a:p>
-            <a:r>
-              <a:rPr lang="ru-RU" dirty="0" smtClean="0"/>
+            <a:endParaRPr lang="ru-RU" dirty="0"/>
+          </a:p>
+          <a:p>
+            <a:r>
+              <a:rPr lang="ru-RU" dirty="0"/>
               <a:t>Полиномиальная скорость роста сложности</a:t>
             </a:r>
           </a:p>
@@ -7689,13 +7512,6 @@
   <p:clrMapOvr>
     <a:masterClrMapping/>
   </p:clrMapOvr>
-  <p:timing>
-    <p:tnLst>
-      <p:par>
-        <p:cTn id="1" dur="indefinite" restart="never" nodeType="tmRoot"/>
-      </p:par>
-    </p:tnLst>
-  </p:timing>
 </p:sld>
 </file>
 
@@ -7753,7 +7569,7 @@
           <a:p>
             <a:pPr algn="ctr"/>
             <a:r>
-              <a:rPr lang="en-US" dirty="0" smtClean="0"/>
+              <a:rPr lang="en-US" dirty="0"/>
               <a:t>RE</a:t>
             </a:r>
             <a:endParaRPr lang="ru-RU" dirty="0"/>
@@ -7825,10 +7641,9 @@
           <a:lstStyle/>
           <a:p>
             <a:r>
-              <a:rPr lang="ru-RU" dirty="0" smtClean="0"/>
+              <a:rPr lang="ru-RU" dirty="0"/>
               <a:t>Классы вычислимых задач</a:t>
             </a:r>
-            <a:endParaRPr lang="ru-RU" dirty="0"/>
           </a:p>
         </p:txBody>
       </p:sp>
@@ -7853,74 +7668,73 @@
           <a:lstStyle/>
           <a:p>
             <a:r>
-              <a:rPr lang="en-US" dirty="0" smtClean="0"/>
+              <a:rPr lang="en-US" dirty="0"/>
               <a:t>R – </a:t>
             </a:r>
             <a:r>
-              <a:rPr lang="ru-RU" dirty="0" smtClean="0"/>
+              <a:rPr lang="ru-RU" dirty="0"/>
               <a:t>Разрешимые задачи</a:t>
             </a:r>
           </a:p>
           <a:p>
             <a:r>
-              <a:rPr lang="en-US" dirty="0" smtClean="0"/>
+              <a:rPr lang="en-US" dirty="0"/>
               <a:t>RE</a:t>
             </a:r>
             <a:r>
-              <a:rPr lang="ru-RU" dirty="0" smtClean="0"/>
+              <a:rPr lang="ru-RU" dirty="0"/>
               <a:t> – Разрешимые задачи, если результат «1»</a:t>
             </a:r>
             <a:r>
-              <a:rPr lang="en-US" dirty="0" smtClean="0"/>
+              <a:rPr lang="en-US" dirty="0"/>
               <a:t> (</a:t>
             </a:r>
             <a:r>
-              <a:rPr lang="ru-RU" dirty="0" smtClean="0"/>
+              <a:rPr lang="ru-RU" dirty="0"/>
               <a:t>«Да») (</a:t>
             </a:r>
             <a:r>
-              <a:rPr lang="en-US" dirty="0" smtClean="0"/>
+              <a:rPr lang="en-US" dirty="0"/>
               <a:t>Halting Problem)</a:t>
             </a:r>
             <a:r>
-              <a:rPr lang="ru-RU" dirty="0" smtClean="0"/>
+              <a:rPr lang="ru-RU" dirty="0"/>
               <a:t>, элементы алгоритмов задач из </a:t>
             </a:r>
             <a:r>
-              <a:rPr lang="en-US" dirty="0" smtClean="0"/>
+              <a:rPr lang="en-US" dirty="0"/>
               <a:t>RE </a:t>
             </a:r>
             <a:r>
-              <a:rPr lang="ru-RU" dirty="0" smtClean="0"/>
+              <a:rPr lang="ru-RU" dirty="0"/>
               <a:t>называются «полу-решатели» (</a:t>
             </a:r>
             <a:r>
-              <a:rPr lang="en-US" dirty="0" smtClean="0"/>
+              <a:rPr lang="en-US" dirty="0"/>
               <a:t>semi-solvers)</a:t>
             </a:r>
             <a:r>
-              <a:rPr lang="ru-RU" dirty="0" smtClean="0"/>
+              <a:rPr lang="ru-RU" dirty="0"/>
               <a:t>.</a:t>
             </a:r>
           </a:p>
           <a:p>
             <a:r>
-              <a:rPr lang="en-US" dirty="0" smtClean="0"/>
+              <a:rPr lang="en-US" dirty="0"/>
               <a:t>EXP</a:t>
             </a:r>
             <a:r>
-              <a:rPr lang="ru-RU" dirty="0" smtClean="0"/>
+              <a:rPr lang="ru-RU" dirty="0"/>
               <a:t> – Разрешимые за экспоненциальное время</a:t>
             </a:r>
             <a:r>
-              <a:rPr lang="en-US" dirty="0" smtClean="0"/>
+              <a:rPr lang="en-US" dirty="0"/>
               <a:t> </a:t>
             </a:r>
             <a:r>
-              <a:rPr lang="ru-RU" dirty="0" smtClean="0"/>
+              <a:rPr lang="ru-RU" dirty="0"/>
               <a:t>с экспоненциальной памятью.</a:t>
             </a:r>
-            <a:endParaRPr lang="ru-RU" dirty="0"/>
           </a:p>
         </p:txBody>
       </p:sp>
@@ -7984,7 +7798,7 @@
           <a:p>
             <a:pPr algn="ctr"/>
             <a:r>
-              <a:rPr lang="en-US" dirty="0" smtClean="0"/>
+              <a:rPr lang="en-US" dirty="0"/>
               <a:t>EXP</a:t>
             </a:r>
             <a:endParaRPr lang="ru-RU" dirty="0"/>
@@ -8028,7 +7842,7 @@
           <a:p>
             <a:pPr algn="ctr"/>
             <a:r>
-              <a:rPr lang="en-US" dirty="0" smtClean="0"/>
+              <a:rPr lang="en-US" dirty="0"/>
               <a:t>PSPACE</a:t>
             </a:r>
             <a:endParaRPr lang="ru-RU" dirty="0"/>
@@ -8070,7 +7884,7 @@
           <a:p>
             <a:pPr algn="ctr"/>
             <a:r>
-              <a:rPr lang="en-US" dirty="0" smtClean="0"/>
+              <a:rPr lang="en-US" dirty="0"/>
               <a:t>NP</a:t>
             </a:r>
             <a:endParaRPr lang="ru-RU" dirty="0"/>
@@ -8112,7 +7926,7 @@
           <a:p>
             <a:pPr algn="ctr"/>
             <a:r>
-              <a:rPr lang="en-US" dirty="0" smtClean="0"/>
+              <a:rPr lang="en-US" dirty="0"/>
               <a:t>P</a:t>
             </a:r>
             <a:endParaRPr lang="ru-RU" dirty="0"/>
@@ -8154,7 +7968,7 @@
           <a:p>
             <a:pPr algn="ctr"/>
             <a:r>
-              <a:rPr lang="en-US" dirty="0" smtClean="0"/>
+              <a:rPr lang="en-US" dirty="0"/>
               <a:t>NP-complete</a:t>
             </a:r>
             <a:endParaRPr lang="ru-RU" dirty="0"/>
@@ -8228,7 +8042,7 @@
           <a:p>
             <a:pPr algn="ctr"/>
             <a:r>
-              <a:rPr lang="en-US" dirty="0" smtClean="0"/>
+              <a:rPr lang="en-US" dirty="0"/>
               <a:t>RE</a:t>
             </a:r>
             <a:endParaRPr lang="ru-RU" dirty="0"/>
@@ -8300,10 +8114,9 @@
           <a:lstStyle/>
           <a:p>
             <a:r>
-              <a:rPr lang="ru-RU" dirty="0" smtClean="0"/>
+              <a:rPr lang="ru-RU" dirty="0"/>
               <a:t>Классы вычислимых задач</a:t>
             </a:r>
-            <a:endParaRPr lang="ru-RU" dirty="0"/>
           </a:p>
         </p:txBody>
       </p:sp>
@@ -8330,47 +8143,35 @@
           <a:lstStyle/>
           <a:p>
             <a:r>
-              <a:rPr lang="en-US" dirty="0" smtClean="0"/>
+              <a:rPr lang="en-US" dirty="0"/>
               <a:t>MIP </a:t>
             </a:r>
             <a:r>
-              <a:rPr lang="ru-RU" dirty="0" smtClean="0"/>
-              <a:t>– </a:t>
-            </a:r>
-            <a:r>
-              <a:rPr lang="ru-RU" dirty="0" smtClean="0"/>
-              <a:t>Класс задач, вычислительно проверяемых (в концепции интерактивных доказательств</a:t>
-            </a:r>
-            <a:r>
-              <a:rPr lang="en-US" dirty="0" smtClean="0"/>
+              <a:rPr lang="ru-RU" dirty="0"/>
+              <a:t>– Класс задач, вычислительно проверяемых (в концепции интерактивных доказательств</a:t>
+            </a:r>
+            <a:r>
+              <a:rPr lang="en-US" dirty="0"/>
               <a:t> </a:t>
             </a:r>
             <a:r>
-              <a:rPr lang="ru-RU" dirty="0" smtClean="0"/>
-              <a:t>с двумя доказывающими), т.е. те задачи, ответ на которые можно вычислительно проверить за </a:t>
-            </a:r>
-            <a:r>
-              <a:rPr lang="ru-RU" dirty="0" smtClean="0"/>
-              <a:t>полиномиальное </a:t>
-            </a:r>
-            <a:r>
-              <a:rPr lang="ru-RU" dirty="0" smtClean="0"/>
-              <a:t>время.</a:t>
-            </a:r>
-          </a:p>
-          <a:p>
-            <a:r>
-              <a:rPr lang="en-US" dirty="0" smtClean="0"/>
+              <a:rPr lang="ru-RU" dirty="0"/>
+              <a:t>с двумя доказывающими), т.е. те задачи, ответ на которые можно вычислительно проверить за полиномиальное время.</a:t>
+            </a:r>
+          </a:p>
+          <a:p>
+            <a:r>
+              <a:rPr lang="en-US" dirty="0"/>
               <a:t>NEXP – </a:t>
             </a:r>
             <a:r>
-              <a:rPr lang="ru-RU" dirty="0" smtClean="0"/>
+              <a:rPr lang="ru-RU" dirty="0"/>
               <a:t>Класс задач, вычислительно проверяемых за экспоненциальное время</a:t>
             </a:r>
           </a:p>
           <a:p>
             <a:r>
-              <a:rPr lang="en-US" dirty="0" smtClean="0"/>
+              <a:rPr lang="en-US" dirty="0"/>
               <a:t>NEXP = MIP</a:t>
             </a:r>
             <a:endParaRPr lang="ru-RU" dirty="0"/>
@@ -8437,7 +8238,7 @@
           <a:p>
             <a:pPr algn="ctr"/>
             <a:r>
-              <a:rPr lang="en-US" dirty="0" smtClean="0"/>
+              <a:rPr lang="en-US" dirty="0"/>
               <a:t>MIP=NEXP</a:t>
             </a:r>
             <a:endParaRPr lang="ru-RU" dirty="0"/>
@@ -8481,7 +8282,7 @@
           <a:p>
             <a:pPr algn="ctr"/>
             <a:r>
-              <a:rPr lang="en-US" dirty="0" smtClean="0"/>
+              <a:rPr lang="en-US" dirty="0"/>
               <a:t>EXP</a:t>
             </a:r>
             <a:endParaRPr lang="ru-RU" dirty="0"/>
@@ -8525,7 +8326,7 @@
           <a:p>
             <a:pPr algn="ctr"/>
             <a:r>
-              <a:rPr lang="en-US" dirty="0" smtClean="0"/>
+              <a:rPr lang="en-US" dirty="0"/>
               <a:t>PSPACE</a:t>
             </a:r>
             <a:endParaRPr lang="ru-RU" dirty="0"/>
@@ -8567,7 +8368,7 @@
           <a:p>
             <a:pPr algn="ctr"/>
             <a:r>
-              <a:rPr lang="en-US" dirty="0" smtClean="0"/>
+              <a:rPr lang="en-US" dirty="0"/>
               <a:t>NP</a:t>
             </a:r>
             <a:endParaRPr lang="ru-RU" dirty="0"/>
@@ -8609,7 +8410,7 @@
           <a:p>
             <a:pPr algn="ctr"/>
             <a:r>
-              <a:rPr lang="en-US" dirty="0" smtClean="0"/>
+              <a:rPr lang="en-US" dirty="0"/>
               <a:t>P</a:t>
             </a:r>
             <a:endParaRPr lang="ru-RU" dirty="0"/>
@@ -8651,7 +8452,7 @@
           <a:p>
             <a:pPr algn="ctr"/>
             <a:r>
-              <a:rPr lang="en-US" dirty="0" smtClean="0"/>
+              <a:rPr lang="en-US" dirty="0"/>
               <a:t>NP-complete</a:t>
             </a:r>
             <a:endParaRPr lang="ru-RU" dirty="0"/>
@@ -8795,16 +8596,12 @@
           <a:lstStyle/>
           <a:p>
             <a:r>
-              <a:rPr lang="ru-RU" dirty="0" smtClean="0"/>
+              <a:rPr lang="ru-RU" dirty="0"/>
               <a:t>Задачи разрешимости (</a:t>
             </a:r>
             <a:r>
               <a:rPr lang="en-US" dirty="0"/>
-              <a:t>Decision </a:t>
-            </a:r>
-            <a:r>
-              <a:rPr lang="en-US" dirty="0" smtClean="0"/>
-              <a:t>problem)</a:t>
+              <a:t>Decision problem)</a:t>
             </a:r>
             <a:endParaRPr lang="ru-RU" dirty="0"/>
           </a:p>
@@ -8826,32 +8623,38 @@
           <a:lstStyle/>
           <a:p>
             <a:r>
-              <a:rPr lang="ru-RU" dirty="0" smtClean="0"/>
+              <a:rPr lang="ru-RU" dirty="0"/>
               <a:t>Класс вычислительных задач, результатом которых является один бит («Да», «Нет»), зависящий от входов.</a:t>
             </a:r>
           </a:p>
           <a:p>
             <a:r>
-              <a:rPr lang="ru-RU" dirty="0" smtClean="0"/>
+              <a:rPr lang="ru-RU" dirty="0"/>
+              <a:t>Часто связаны с задачами вычислимости (нахождение ответа)</a:t>
+            </a:r>
+          </a:p>
+          <a:p>
+            <a:r>
+              <a:rPr lang="ru-RU" dirty="0"/>
               <a:t>Примеры задач</a:t>
             </a:r>
             <a:r>
-              <a:rPr lang="en-US" dirty="0" smtClean="0"/>
+              <a:rPr lang="en-US" dirty="0"/>
               <a:t>: </a:t>
             </a:r>
-            <a:endParaRPr lang="ru-RU" dirty="0" smtClean="0"/>
+            <a:endParaRPr lang="ru-RU" dirty="0"/>
           </a:p>
           <a:p>
             <a:pPr lvl="1"/>
             <a:r>
-              <a:rPr lang="ru-RU" dirty="0" smtClean="0"/>
+              <a:rPr lang="ru-RU" dirty="0"/>
               <a:t>Является ли число чётным</a:t>
             </a:r>
           </a:p>
           <a:p>
             <a:pPr lvl="1"/>
             <a:r>
-              <a:rPr lang="ru-RU" dirty="0" smtClean="0"/>
+              <a:rPr lang="ru-RU" dirty="0"/>
               <a:t>Делит ли одно число другое</a:t>
             </a:r>
           </a:p>
@@ -8859,76 +8662,64 @@
             <a:pPr lvl="1"/>
             <a:r>
               <a:rPr lang="ru-RU" dirty="0"/>
-              <a:t>Я</a:t>
-            </a:r>
-            <a:r>
-              <a:rPr lang="ru-RU" dirty="0" smtClean="0"/>
-              <a:t>вляется ли число простым</a:t>
+              <a:t>Является ли число простым</a:t>
             </a:r>
           </a:p>
           <a:p>
             <a:pPr lvl="1"/>
             <a:r>
               <a:rPr lang="ru-RU" dirty="0"/>
-              <a:t>З</a:t>
-            </a:r>
-            <a:r>
-              <a:rPr lang="ru-RU" dirty="0" smtClean="0"/>
-              <a:t>авершится ли указанный алгоритм</a:t>
-            </a:r>
-            <a:r>
-              <a:rPr lang="en-US" dirty="0" smtClean="0"/>
+              <a:t>Завершится ли указанный алгоритм</a:t>
+            </a:r>
+            <a:r>
+              <a:rPr lang="en-US" dirty="0"/>
               <a:t> (Halting Problem)</a:t>
             </a:r>
-            <a:endParaRPr lang="ru-RU" dirty="0" smtClean="0"/>
+            <a:endParaRPr lang="ru-RU" dirty="0"/>
           </a:p>
           <a:p>
             <a:pPr lvl="1"/>
             <a:r>
               <a:rPr lang="ru-RU" dirty="0"/>
-              <a:t>Я</a:t>
-            </a:r>
-            <a:r>
-              <a:rPr lang="ru-RU" dirty="0" smtClean="0"/>
-              <a:t>вляется ли тройка </a:t>
-            </a:r>
-            <a:r>
-              <a:rPr lang="en-US" dirty="0" smtClean="0"/>
+              <a:t>Является ли тройка </a:t>
+            </a:r>
+            <a:r>
+              <a:rPr lang="en-US" dirty="0"/>
               <a:t>(</a:t>
             </a:r>
             <a:r>
-              <a:rPr lang="en-US" dirty="0" err="1" smtClean="0"/>
+              <a:rPr lang="en-US" dirty="0" err="1"/>
               <a:t>a,b,c</a:t>
             </a:r>
             <a:r>
-              <a:rPr lang="en-US" dirty="0" smtClean="0"/>
+              <a:rPr lang="en-US" dirty="0"/>
               <a:t>) </a:t>
             </a:r>
             <a:r>
-              <a:rPr lang="ru-RU" dirty="0" smtClean="0"/>
+              <a:rPr lang="ru-RU" dirty="0"/>
               <a:t>тройкой </a:t>
             </a:r>
             <a:r>
-              <a:rPr lang="ru-RU" dirty="0" err="1" smtClean="0"/>
+              <a:rPr lang="ru-RU" dirty="0" err="1"/>
               <a:t>Диффи-Хэллмана</a:t>
             </a:r>
             <a:r>
-              <a:rPr lang="en-US" dirty="0" smtClean="0"/>
+              <a:rPr lang="en-US" dirty="0"/>
               <a:t> (DDH)</a:t>
             </a:r>
-            <a:endParaRPr lang="ru-RU" dirty="0" smtClean="0"/>
+            <a:endParaRPr lang="ru-RU" dirty="0"/>
           </a:p>
           <a:p>
             <a:pPr lvl="1"/>
             <a:r>
-              <a:rPr lang="ru-RU" dirty="0" smtClean="0"/>
+              <a:rPr lang="ru-RU" dirty="0"/>
               <a:t>Имеет ли данное булево уравнение от трёх переменных решение (</a:t>
             </a:r>
             <a:r>
-              <a:rPr lang="en-US" dirty="0" smtClean="0"/>
+              <a:rPr lang="en-US" dirty="0"/>
               <a:t>3SAT)</a:t>
             </a:r>
-            <a:endParaRPr lang="ru-RU" dirty="0" smtClean="0"/>
+            <a:endParaRPr lang="ru-RU" dirty="0"/>
           </a:p>
           <a:p>
             <a:pPr lvl="1"/>
@@ -8969,13 +8760,6 @@
   <p:clrMapOvr>
     <a:masterClrMapping/>
   </p:clrMapOvr>
-  <p:timing>
-    <p:tnLst>
-      <p:par>
-        <p:cTn id="1" dur="indefinite" restart="never" nodeType="tmRoot"/>
-      </p:par>
-    </p:tnLst>
-  </p:timing>
 </p:sld>
 </file>
 
@@ -9012,16 +8796,12 @@
           <a:lstStyle/>
           <a:p>
             <a:r>
-              <a:rPr lang="ru-RU" dirty="0" smtClean="0"/>
+              <a:rPr lang="ru-RU" dirty="0"/>
               <a:t>Задачи разрешимости (</a:t>
             </a:r>
             <a:r>
               <a:rPr lang="en-US" dirty="0"/>
-              <a:t>Decision </a:t>
-            </a:r>
-            <a:r>
-              <a:rPr lang="en-US" dirty="0" smtClean="0"/>
-              <a:t>problem)</a:t>
+              <a:t>Decision problem)</a:t>
             </a:r>
             <a:endParaRPr lang="ru-RU" dirty="0"/>
           </a:p>
@@ -9045,7 +8825,7 @@
               <a:lstStyle/>
               <a:p>
                 <a:r>
-                  <a:rPr lang="ru-RU" dirty="0" smtClean="0"/>
+                  <a:rPr lang="ru-RU" dirty="0"/>
                   <a:t>Пусть </a:t>
                 </a:r>
                 <a14:m>
@@ -9127,11 +8907,11 @@
                   </m:oMath>
                 </a14:m>
                 <a:r>
-                  <a:rPr lang="en-US" dirty="0" smtClean="0"/>
+                  <a:rPr lang="en-US" dirty="0"/>
                   <a:t> – </a:t>
                 </a:r>
                 <a:r>
-                  <a:rPr lang="ru-RU" dirty="0" smtClean="0"/>
+                  <a:rPr lang="ru-RU" dirty="0"/>
                   <a:t>некий язык, </a:t>
                 </a:r>
                 <a14:m>
@@ -9176,25 +8956,25 @@
                   </m:oMath>
                 </a14:m>
                 <a:r>
-                  <a:rPr lang="ru-RU" dirty="0" smtClean="0"/>
+                  <a:rPr lang="ru-RU" dirty="0"/>
                   <a:t> – слова в данном языке.</a:t>
                 </a:r>
               </a:p>
               <a:p>
                 <a:r>
-                  <a:rPr lang="ru-RU" b="1" dirty="0" err="1" smtClean="0"/>
+                  <a:rPr lang="ru-RU" b="1" dirty="0" err="1"/>
                   <a:t>Разрешитель</a:t>
                 </a:r>
                 <a:r>
-                  <a:rPr lang="ru-RU" b="1" dirty="0" smtClean="0"/>
+                  <a:rPr lang="ru-RU" b="1" dirty="0"/>
                   <a:t> (</a:t>
                 </a:r>
                 <a:r>
-                  <a:rPr lang="en-US" b="1" dirty="0" smtClean="0"/>
+                  <a:rPr lang="en-US" b="1" dirty="0"/>
                   <a:t>solver)</a:t>
                 </a:r>
                 <a:r>
-                  <a:rPr lang="ru-RU" b="1" dirty="0" smtClean="0"/>
+                  <a:rPr lang="ru-RU" b="1" dirty="0"/>
                   <a:t> языка </a:t>
                 </a:r>
                 <a14:m>
@@ -9208,11 +8988,11 @@
                   </m:oMath>
                 </a14:m>
                 <a:r>
-                  <a:rPr lang="ru-RU" b="1" dirty="0" smtClean="0"/>
+                  <a:rPr lang="ru-RU" b="1" dirty="0"/>
                   <a:t> </a:t>
                 </a:r>
                 <a:r>
-                  <a:rPr lang="ru-RU" dirty="0" smtClean="0"/>
+                  <a:rPr lang="ru-RU" dirty="0"/>
                   <a:t>– алгоритм, который на входе </a:t>
                 </a:r>
                 <a14:m>
@@ -9226,7 +9006,7 @@
                   </m:oMath>
                 </a14:m>
                 <a:r>
-                  <a:rPr lang="ru-RU" dirty="0" smtClean="0"/>
+                  <a:rPr lang="ru-RU" dirty="0"/>
                   <a:t> выдаёт 1, если </a:t>
                 </a:r>
                 <a14:m>
@@ -9252,7 +9032,7 @@
                   </m:oMath>
                 </a14:m>
                 <a:r>
-                  <a:rPr lang="ru-RU" dirty="0" smtClean="0"/>
+                  <a:rPr lang="ru-RU" dirty="0"/>
                   <a:t>, иначе </a:t>
                 </a:r>
                 <a14:m>
@@ -9266,7 +9046,7 @@
                   </m:oMath>
                 </a14:m>
                 <a:r>
-                  <a:rPr lang="ru-RU" dirty="0" smtClean="0"/>
+                  <a:rPr lang="ru-RU" dirty="0"/>
                   <a:t>. </a:t>
                 </a:r>
               </a:p>
@@ -9344,13 +9124,6 @@
   <p:clrMapOvr>
     <a:masterClrMapping/>
   </p:clrMapOvr>
-  <p:timing>
-    <p:tnLst>
-      <p:par>
-        <p:cTn id="1" dur="indefinite" restart="never" nodeType="tmRoot"/>
-      </p:par>
-    </p:tnLst>
-  </p:timing>
 </p:sld>
 </file>
 
@@ -9387,10 +9160,9 @@
           <a:lstStyle/>
           <a:p>
             <a:r>
-              <a:rPr lang="ru-RU" dirty="0" smtClean="0"/>
+              <a:rPr lang="ru-RU" dirty="0"/>
               <a:t>Какие вычислительные задачи теоретически возможно решить?</a:t>
             </a:r>
-            <a:endParaRPr lang="ru-RU" dirty="0"/>
           </a:p>
         </p:txBody>
       </p:sp>
@@ -9420,7 +9192,7 @@
               <a:buNone/>
             </a:pPr>
             <a:r>
-              <a:rPr lang="ru-RU" dirty="0" smtClean="0"/>
+              <a:rPr lang="ru-RU" dirty="0"/>
               <a:t>Предположение 1 – возможно решить любые задачи</a:t>
             </a:r>
           </a:p>
@@ -9435,26 +9207,25 @@
               <a:buNone/>
             </a:pPr>
             <a:r>
-              <a:rPr lang="ru-RU" dirty="0" smtClean="0"/>
+              <a:rPr lang="ru-RU" dirty="0"/>
               <a:t>Алан Тьюринг 1936 – </a:t>
             </a:r>
             <a:r>
-              <a:rPr lang="en-US" dirty="0" smtClean="0"/>
+              <a:rPr lang="en-US" dirty="0"/>
               <a:t>Halting Problem</a:t>
             </a:r>
             <a:r>
-              <a:rPr lang="ru-RU" dirty="0" smtClean="0"/>
+              <a:rPr lang="ru-RU" dirty="0"/>
               <a:t> (Проблема останова)</a:t>
             </a:r>
             <a:r>
-              <a:rPr lang="en-US" dirty="0" smtClean="0"/>
+              <a:rPr lang="en-US" dirty="0"/>
               <a:t> </a:t>
             </a:r>
             <a:r>
-              <a:rPr lang="ru-RU" dirty="0" smtClean="0"/>
+              <a:rPr lang="ru-RU" dirty="0"/>
               <a:t>– задача определения «остановится» ли заданная программа для заданного входа.</a:t>
             </a:r>
-            <a:endParaRPr lang="ru-RU" dirty="0"/>
           </a:p>
         </p:txBody>
       </p:sp>
@@ -9481,10 +9252,10 @@
           <a:lstStyle/>
           <a:p>
             <a:r>
-              <a:rPr lang="en-US" dirty="0" smtClean="0"/>
+              <a:rPr lang="en-US" dirty="0"/>
               <a:t>A</a:t>
             </a:r>
-            <a:endParaRPr lang="ru-RU" dirty="0" smtClean="0"/>
+            <a:endParaRPr lang="ru-RU" dirty="0"/>
           </a:p>
           <a:p>
             <a:endParaRPr lang="ru-RU" dirty="0"/>
@@ -9524,13 +9295,6 @@
   <p:clrMapOvr>
     <a:masterClrMapping/>
   </p:clrMapOvr>
-  <p:timing>
-    <p:tnLst>
-      <p:par>
-        <p:cTn id="1" dur="indefinite" restart="never" nodeType="tmRoot"/>
-      </p:par>
-    </p:tnLst>
-  </p:timing>
 </p:sld>
 </file>
 
@@ -9567,11 +9331,11 @@
           <a:lstStyle/>
           <a:p>
             <a:r>
-              <a:rPr lang="ru-RU" dirty="0" smtClean="0"/>
+              <a:rPr lang="ru-RU" dirty="0"/>
               <a:t>Задача останова (</a:t>
             </a:r>
             <a:r>
-              <a:rPr lang="en-US" dirty="0" smtClean="0"/>
+              <a:rPr lang="en-US" dirty="0"/>
               <a:t>Halting problem)</a:t>
             </a:r>
             <a:endParaRPr lang="ru-RU" dirty="0"/>
@@ -9599,7 +9363,7 @@
                   <a:buNone/>
                 </a:pPr>
                 <a:r>
-                  <a:rPr lang="ru-RU" dirty="0" smtClean="0"/>
+                  <a:rPr lang="ru-RU" dirty="0"/>
                   <a:t>Пусть </a:t>
                 </a:r>
                 <a14:m>
@@ -9613,7 +9377,7 @@
                   </m:oMath>
                 </a14:m>
                 <a:r>
-                  <a:rPr lang="ru-RU" dirty="0" smtClean="0"/>
+                  <a:rPr lang="ru-RU" dirty="0"/>
                   <a:t> – алгоритм, который на некотором входе </a:t>
                 </a:r>
                 <a14:m>
@@ -9627,19 +9391,19 @@
                   </m:oMath>
                 </a14:m>
                 <a:r>
-                  <a:rPr lang="ru-RU" dirty="0" smtClean="0"/>
+                  <a:rPr lang="ru-RU" dirty="0"/>
                   <a:t> либо завершает свою работу, выдавая некий результат (</a:t>
                 </a:r>
                 <a:r>
-                  <a:rPr lang="en-US" dirty="0" smtClean="0"/>
+                  <a:rPr lang="en-US" dirty="0"/>
                   <a:t>halt)</a:t>
                 </a:r>
                 <a:r>
-                  <a:rPr lang="ru-RU" dirty="0" smtClean="0"/>
+                  <a:rPr lang="ru-RU" dirty="0"/>
                   <a:t>, либо уходит в бесконечный цикл</a:t>
                 </a:r>
                 <a:r>
-                  <a:rPr lang="en-US" dirty="0" smtClean="0"/>
+                  <a:rPr lang="en-US" dirty="0"/>
                   <a:t>.</a:t>
                 </a:r>
               </a:p>
@@ -9654,11 +9418,11 @@
                   <a:buNone/>
                 </a:pPr>
                 <a:r>
-                  <a:rPr lang="ru-RU" dirty="0" smtClean="0"/>
+                  <a:rPr lang="ru-RU" dirty="0"/>
                   <a:t>Возможно ли</a:t>
                 </a:r>
                 <a:r>
-                  <a:rPr lang="en-US" dirty="0" smtClean="0"/>
+                  <a:rPr lang="en-US" dirty="0"/>
                   <a:t> </a:t>
                 </a:r>
                 <a14:m>
@@ -9678,7 +9442,7 @@
                   </m:oMath>
                 </a14:m>
                 <a:r>
-                  <a:rPr lang="ru-RU" dirty="0" smtClean="0"/>
+                  <a:rPr lang="ru-RU" dirty="0"/>
                   <a:t> построить алгоритм </a:t>
                 </a:r>
                 <a14:m>
@@ -9722,15 +9486,15 @@
                   </m:oMath>
                 </a14:m>
                 <a:r>
-                  <a:rPr lang="ru-RU" dirty="0" smtClean="0"/>
+                  <a:rPr lang="ru-RU" dirty="0"/>
                   <a:t>, который бы выдавал «1», если алгоритм </a:t>
                 </a:r>
                 <a:r>
-                  <a:rPr lang="en-US" dirty="0" smtClean="0"/>
+                  <a:rPr lang="en-US" dirty="0"/>
                   <a:t>A</a:t>
                 </a:r>
                 <a:r>
-                  <a:rPr lang="ru-RU" dirty="0" smtClean="0"/>
+                  <a:rPr lang="ru-RU" dirty="0"/>
                   <a:t> выдаёт результат на входе </a:t>
                 </a:r>
                 <a14:m>
@@ -9744,7 +9508,7 @@
                   </m:oMath>
                 </a14:m>
                 <a:r>
-                  <a:rPr lang="ru-RU" dirty="0" smtClean="0"/>
+                  <a:rPr lang="ru-RU" dirty="0"/>
                   <a:t>, и «0», иначе?</a:t>
                 </a:r>
               </a:p>
@@ -9759,7 +9523,7 @@
                   <a:buNone/>
                 </a:pPr>
                 <a:r>
-                  <a:rPr lang="ru-RU" dirty="0" smtClean="0"/>
+                  <a:rPr lang="ru-RU" dirty="0"/>
                   <a:t>Пусть алгоритм </a:t>
                 </a:r>
                 <a14:m>
@@ -9773,7 +9537,7 @@
                   </m:oMath>
                 </a14:m>
                 <a:r>
-                  <a:rPr lang="ru-RU" dirty="0" smtClean="0"/>
+                  <a:rPr lang="ru-RU" dirty="0"/>
                   <a:t> существует.</a:t>
                 </a:r>
               </a:p>
@@ -9847,13 +9611,6 @@
   <p:clrMapOvr>
     <a:masterClrMapping/>
   </p:clrMapOvr>
-  <p:timing>
-    <p:tnLst>
-      <p:par>
-        <p:cTn id="1" dur="indefinite" restart="never" nodeType="tmRoot"/>
-      </p:par>
-    </p:tnLst>
-  </p:timing>
 </p:sld>
 </file>
 
@@ -9890,11 +9647,11 @@
           <a:lstStyle/>
           <a:p>
             <a:r>
-              <a:rPr lang="ru-RU" dirty="0" smtClean="0"/>
+              <a:rPr lang="ru-RU" dirty="0"/>
               <a:t>Задача останова (</a:t>
             </a:r>
             <a:r>
-              <a:rPr lang="en-US" dirty="0" smtClean="0"/>
+              <a:rPr lang="en-US" dirty="0"/>
               <a:t>Halting problem)</a:t>
             </a:r>
             <a:endParaRPr lang="ru-RU" dirty="0"/>
@@ -9922,7 +9679,7 @@
                   <a:buNone/>
                 </a:pPr>
                 <a:r>
-                  <a:rPr lang="ru-RU" dirty="0" smtClean="0"/>
+                  <a:rPr lang="ru-RU" dirty="0"/>
                   <a:t>Пусть </a:t>
                 </a:r>
                 <a14:m>
@@ -9979,7 +9736,7 @@
                   </m:oMath>
                 </a14:m>
                 <a:r>
-                  <a:rPr lang="ru-RU" dirty="0" smtClean="0"/>
+                  <a:rPr lang="ru-RU" dirty="0"/>
                   <a:t>, где </a:t>
                 </a:r>
                 <a14:m>
@@ -9993,11 +9750,11 @@
                   </m:oMath>
                 </a14:m>
                 <a:r>
-                  <a:rPr lang="ru-RU" dirty="0" smtClean="0"/>
+                  <a:rPr lang="ru-RU" dirty="0"/>
                   <a:t> – любое – алгоритм дублирования входной величины</a:t>
                 </a:r>
                 <a:r>
-                  <a:rPr lang="en-US" dirty="0" smtClean="0"/>
+                  <a:rPr lang="en-US" dirty="0"/>
                   <a:t>: </a:t>
                 </a:r>
                 <a14:m>
@@ -10090,7 +9847,7 @@
                     </m:r>
                   </m:oMath>
                 </a14:m>
-                <a:endParaRPr lang="en-US" dirty="0" smtClean="0"/>
+                <a:endParaRPr lang="en-US" dirty="0"/>
               </a:p>
               <a:p>
                 <a:pPr marL="0" indent="0">
@@ -10103,7 +9860,7 @@
                   <a:buNone/>
                 </a:pPr>
                 <a:r>
-                  <a:rPr lang="ru-RU" dirty="0" smtClean="0"/>
+                  <a:rPr lang="ru-RU" dirty="0"/>
                   <a:t>Пусть </a:t>
                 </a:r>
                 <a14:m>
@@ -10148,31 +9905,31 @@
                   </m:oMath>
                 </a14:m>
                 <a:r>
-                  <a:rPr lang="ru-RU" dirty="0" smtClean="0"/>
+                  <a:rPr lang="ru-RU" dirty="0"/>
                   <a:t> – алгоритм, который на входе «</a:t>
                 </a:r>
                 <a:r>
-                  <a:rPr lang="en-US" dirty="0" smtClean="0"/>
+                  <a:rPr lang="en-US" dirty="0"/>
                   <a:t>0</a:t>
                 </a:r>
                 <a:r>
-                  <a:rPr lang="ru-RU" dirty="0" smtClean="0"/>
+                  <a:rPr lang="ru-RU" dirty="0"/>
                   <a:t>» завершает работу,</a:t>
                 </a:r>
                 <a:r>
-                  <a:rPr lang="en-US" dirty="0" smtClean="0"/>
+                  <a:rPr lang="en-US" dirty="0"/>
                   <a:t> </a:t>
                 </a:r>
                 <a:r>
-                  <a:rPr lang="ru-RU" dirty="0" smtClean="0"/>
+                  <a:rPr lang="ru-RU" dirty="0"/>
                   <a:t>выдавая 1, а на входе «</a:t>
                 </a:r>
                 <a:r>
-                  <a:rPr lang="en-US" dirty="0" smtClean="0"/>
+                  <a:rPr lang="en-US" dirty="0"/>
                   <a:t>1</a:t>
                 </a:r>
                 <a:r>
-                  <a:rPr lang="ru-RU" dirty="0" smtClean="0"/>
+                  <a:rPr lang="ru-RU" dirty="0"/>
                   <a:t>» уходит в бесконечный цикл.</a:t>
                 </a:r>
               </a:p>
@@ -10187,7 +9944,7 @@
                   <a:buNone/>
                 </a:pPr>
                 <a:r>
-                  <a:rPr lang="ru-RU" dirty="0" smtClean="0"/>
+                  <a:rPr lang="ru-RU" dirty="0"/>
                   <a:t>Построим Алгоритм </a:t>
                 </a:r>
                 <a14:m>
@@ -10206,7 +9963,7 @@
                     </m:r>
                   </m:oMath>
                 </a14:m>
-                <a:endParaRPr lang="ru-RU" dirty="0" smtClean="0"/>
+                <a:endParaRPr lang="ru-RU" dirty="0"/>
               </a:p>
             </p:txBody>
           </p:sp>
@@ -10278,13 +10035,6 @@
   <p:clrMapOvr>
     <a:masterClrMapping/>
   </p:clrMapOvr>
-  <p:timing>
-    <p:tnLst>
-      <p:par>
-        <p:cTn id="1" dur="indefinite" restart="never" nodeType="tmRoot"/>
-      </p:par>
-    </p:tnLst>
-  </p:timing>
 </p:sld>
 </file>
 
@@ -10321,11 +10071,11 @@
           <a:lstStyle/>
           <a:p>
             <a:r>
-              <a:rPr lang="ru-RU" dirty="0" smtClean="0"/>
+              <a:rPr lang="ru-RU" dirty="0"/>
               <a:t>Задача останова (</a:t>
             </a:r>
             <a:r>
-              <a:rPr lang="en-US" dirty="0" smtClean="0"/>
+              <a:rPr lang="en-US" dirty="0"/>
               <a:t>Halting problem)</a:t>
             </a:r>
             <a:endParaRPr lang="ru-RU" dirty="0"/>
@@ -10358,31 +10108,31 @@
               <a:buNone/>
             </a:pPr>
             <a:r>
-              <a:rPr lang="ru-RU" dirty="0" smtClean="0"/>
+              <a:rPr lang="ru-RU" dirty="0"/>
               <a:t>Машина </a:t>
             </a:r>
             <a:r>
-              <a:rPr lang="en-US" dirty="0" smtClean="0"/>
+              <a:rPr lang="en-US" dirty="0"/>
               <a:t>D</a:t>
             </a:r>
             <a:r>
-              <a:rPr lang="ru-RU" dirty="0" smtClean="0"/>
+              <a:rPr lang="ru-RU" dirty="0"/>
               <a:t> пытается проанализировать поведение машины </a:t>
             </a:r>
             <a:r>
-              <a:rPr lang="en-US" dirty="0" smtClean="0"/>
+              <a:rPr lang="en-US" dirty="0"/>
               <a:t>P</a:t>
             </a:r>
             <a:r>
-              <a:rPr lang="ru-RU" dirty="0" smtClean="0"/>
+              <a:rPr lang="ru-RU" dirty="0"/>
               <a:t> на входе </a:t>
             </a:r>
             <a:r>
-              <a:rPr lang="en-US" dirty="0" smtClean="0"/>
+              <a:rPr lang="en-US" dirty="0"/>
               <a:t>P</a:t>
             </a:r>
             <a:r>
-              <a:rPr lang="ru-RU" dirty="0" smtClean="0"/>
+              <a:rPr lang="ru-RU" dirty="0"/>
               <a:t>.</a:t>
             </a:r>
           </a:p>
@@ -10391,39 +10141,39 @@
               <a:buNone/>
             </a:pPr>
             <a:r>
-              <a:rPr lang="ru-RU" dirty="0" smtClean="0"/>
+              <a:rPr lang="ru-RU" dirty="0"/>
               <a:t>Если </a:t>
             </a:r>
             <a:r>
-              <a:rPr lang="en-US" dirty="0" smtClean="0"/>
+              <a:rPr lang="en-US" dirty="0"/>
               <a:t>P(P) = 1</a:t>
             </a:r>
             <a:r>
-              <a:rPr lang="ru-RU" dirty="0" smtClean="0"/>
+              <a:rPr lang="ru-RU" dirty="0"/>
               <a:t>, то </a:t>
             </a:r>
             <a:r>
-              <a:rPr lang="en-US" dirty="0" smtClean="0"/>
+              <a:rPr lang="en-US" dirty="0"/>
               <a:t>D </a:t>
             </a:r>
             <a:r>
-              <a:rPr lang="ru-RU" dirty="0" smtClean="0"/>
+              <a:rPr lang="ru-RU" dirty="0"/>
               <a:t>на входе </a:t>
             </a:r>
             <a:r>
-              <a:rPr lang="en-US" dirty="0" smtClean="0"/>
+              <a:rPr lang="en-US" dirty="0"/>
               <a:t>(P,P) </a:t>
             </a:r>
             <a:r>
-              <a:rPr lang="ru-RU" dirty="0" smtClean="0"/>
+              <a:rPr lang="ru-RU" dirty="0"/>
               <a:t>выдала 0, т.е. машина </a:t>
             </a:r>
             <a:r>
-              <a:rPr lang="en-US" dirty="0" smtClean="0"/>
+              <a:rPr lang="en-US" dirty="0"/>
               <a:t>P </a:t>
             </a:r>
             <a:r>
-              <a:rPr lang="ru-RU" dirty="0" smtClean="0"/>
+              <a:rPr lang="ru-RU" dirty="0"/>
               <a:t>должна была уйти в цикл, но это не так.</a:t>
             </a:r>
           </a:p>
@@ -10432,31 +10182,31 @@
               <a:buNone/>
             </a:pPr>
             <a:r>
-              <a:rPr lang="ru-RU" dirty="0" smtClean="0"/>
+              <a:rPr lang="ru-RU" dirty="0"/>
               <a:t>Если </a:t>
             </a:r>
             <a:r>
-              <a:rPr lang="en-US" dirty="0" smtClean="0"/>
+              <a:rPr lang="en-US" dirty="0"/>
               <a:t>P(P) </a:t>
             </a:r>
             <a:r>
-              <a:rPr lang="ru-RU" dirty="0" smtClean="0"/>
+              <a:rPr lang="ru-RU" dirty="0"/>
               <a:t>уходит в цикл, тогда </a:t>
             </a:r>
             <a:r>
-              <a:rPr lang="en-US" dirty="0" smtClean="0"/>
+              <a:rPr lang="en-US" dirty="0"/>
               <a:t>D(P,P) = 1</a:t>
             </a:r>
             <a:r>
-              <a:rPr lang="ru-RU" dirty="0" smtClean="0"/>
+              <a:rPr lang="ru-RU" dirty="0"/>
               <a:t> и машина </a:t>
             </a:r>
             <a:r>
-              <a:rPr lang="en-US" dirty="0" smtClean="0"/>
+              <a:rPr lang="en-US" dirty="0"/>
               <a:t>P </a:t>
             </a:r>
             <a:r>
-              <a:rPr lang="ru-RU" dirty="0" smtClean="0"/>
+              <a:rPr lang="ru-RU" dirty="0"/>
               <a:t>должна была завершить работу, но это не так.</a:t>
             </a:r>
           </a:p>
@@ -10465,18 +10215,17 @@
               <a:buNone/>
             </a:pPr>
             <a:r>
-              <a:rPr lang="ru-RU" dirty="0" smtClean="0"/>
+              <a:rPr lang="ru-RU" dirty="0"/>
               <a:t>Следовательно, </a:t>
             </a:r>
             <a:r>
-              <a:rPr lang="en-US" dirty="0" smtClean="0"/>
+              <a:rPr lang="en-US" dirty="0"/>
               <a:t>D</a:t>
             </a:r>
             <a:r>
-              <a:rPr lang="ru-RU" dirty="0" smtClean="0"/>
+              <a:rPr lang="ru-RU" dirty="0"/>
               <a:t> не существует.</a:t>
             </a:r>
-            <a:endParaRPr lang="ru-RU" dirty="0"/>
           </a:p>
         </p:txBody>
       </p:sp>
@@ -10538,7 +10287,7 @@
           <a:p>
             <a:pPr algn="ctr"/>
             <a:r>
-              <a:rPr lang="ru-RU" dirty="0" smtClean="0"/>
+              <a:rPr lang="ru-RU" dirty="0"/>
               <a:t>Машина </a:t>
             </a:r>
             <a:r>
@@ -10586,18 +10335,18 @@
           <a:p>
             <a:pPr algn="ctr"/>
             <a:r>
-              <a:rPr lang="ru-RU" dirty="0" smtClean="0"/>
+              <a:rPr lang="ru-RU" dirty="0"/>
               <a:t>Решение </a:t>
             </a:r>
             <a:r>
-              <a:rPr lang="en-US" dirty="0" smtClean="0"/>
+              <a:rPr lang="en-US" dirty="0"/>
               <a:t>Halting Problem</a:t>
             </a:r>
           </a:p>
           <a:p>
             <a:pPr algn="ctr"/>
             <a:r>
-              <a:rPr lang="en-US" dirty="0" smtClean="0"/>
+              <a:rPr lang="en-US" dirty="0"/>
               <a:t>(D)</a:t>
             </a:r>
             <a:endParaRPr lang="ru-RU" dirty="0"/>
@@ -10641,15 +10390,15 @@
           <a:p>
             <a:pPr algn="ctr"/>
             <a:r>
-              <a:rPr lang="ru-RU" dirty="0" smtClean="0"/>
+              <a:rPr lang="ru-RU" dirty="0"/>
               <a:t>Инверсия</a:t>
             </a:r>
-            <a:endParaRPr lang="en-US" dirty="0" smtClean="0"/>
+            <a:endParaRPr lang="en-US" dirty="0"/>
           </a:p>
           <a:p>
             <a:pPr algn="ctr"/>
             <a:r>
-              <a:rPr lang="en-US" dirty="0" smtClean="0"/>
+              <a:rPr lang="en-US" dirty="0"/>
               <a:t>(I)</a:t>
             </a:r>
             <a:endParaRPr lang="ru-RU" dirty="0"/>
@@ -10693,15 +10442,15 @@
           <a:p>
             <a:pPr algn="ctr"/>
             <a:r>
-              <a:rPr lang="ru-RU" dirty="0" smtClean="0"/>
+              <a:rPr lang="ru-RU" dirty="0"/>
               <a:t>Копирование</a:t>
             </a:r>
-            <a:endParaRPr lang="en-US" dirty="0" smtClean="0"/>
+            <a:endParaRPr lang="en-US" dirty="0"/>
           </a:p>
           <a:p>
             <a:pPr algn="ctr"/>
             <a:r>
-              <a:rPr lang="en-US" dirty="0" smtClean="0"/>
+              <a:rPr lang="en-US" dirty="0"/>
               <a:t>(C)</a:t>
             </a:r>
             <a:endParaRPr lang="ru-RU" dirty="0"/>
@@ -10902,10 +10651,10 @@
           <a:lstStyle/>
           <a:p>
             <a:r>
-              <a:rPr lang="en-US" dirty="0" smtClean="0"/>
+              <a:rPr lang="en-US" dirty="0"/>
               <a:t>P</a:t>
             </a:r>
-            <a:endParaRPr lang="ru-RU" dirty="0" smtClean="0"/>
+            <a:endParaRPr lang="ru-RU" dirty="0"/>
           </a:p>
           <a:p>
             <a:endParaRPr lang="ru-RU" dirty="0"/>
@@ -10938,7 +10687,7 @@
               <a:rPr lang="en-US" dirty="0"/>
               <a:t>P</a:t>
             </a:r>
-            <a:endParaRPr lang="ru-RU" dirty="0" smtClean="0"/>
+            <a:endParaRPr lang="ru-RU" dirty="0"/>
           </a:p>
           <a:p>
             <a:endParaRPr lang="ru-RU" dirty="0"/>
@@ -10968,14 +10717,14 @@
           <a:lstStyle/>
           <a:p>
             <a:r>
-              <a:rPr lang="ru-RU" dirty="0" smtClean="0"/>
+              <a:rPr lang="ru-RU" dirty="0"/>
               <a:t>0</a:t>
             </a:r>
             <a:r>
-              <a:rPr lang="en-US" dirty="0" smtClean="0"/>
+              <a:rPr lang="en-US" dirty="0"/>
               <a:t>/1</a:t>
             </a:r>
-            <a:endParaRPr lang="ru-RU" dirty="0" smtClean="0"/>
+            <a:endParaRPr lang="ru-RU" dirty="0"/>
           </a:p>
           <a:p>
             <a:endParaRPr lang="ru-RU" dirty="0"/>
@@ -11005,14 +10754,14 @@
           <a:lstStyle/>
           <a:p>
             <a:r>
-              <a:rPr lang="en-US" dirty="0" smtClean="0"/>
+              <a:rPr lang="en-US" dirty="0"/>
               <a:t>1/</a:t>
             </a:r>
             <a:r>
-              <a:rPr lang="en-US" dirty="0" err="1" smtClean="0"/>
+              <a:rPr lang="en-US" dirty="0" err="1"/>
               <a:t>inf_cycle</a:t>
             </a:r>
-            <a:endParaRPr lang="ru-RU" dirty="0" smtClean="0"/>
+            <a:endParaRPr lang="ru-RU" dirty="0"/>
           </a:p>
           <a:p>
             <a:endParaRPr lang="ru-RU" dirty="0"/>
@@ -11029,13 +10778,6 @@
   <p:clrMapOvr>
     <a:masterClrMapping/>
   </p:clrMapOvr>
-  <p:timing>
-    <p:tnLst>
-      <p:par>
-        <p:cTn id="1" dur="indefinite" restart="never" nodeType="tmRoot"/>
-      </p:par>
-    </p:tnLst>
-  </p:timing>
 </p:sld>
 </file>
 
@@ -11072,11 +10814,11 @@
           <a:lstStyle/>
           <a:p>
             <a:r>
-              <a:rPr lang="ru-RU" dirty="0" smtClean="0"/>
+              <a:rPr lang="ru-RU" dirty="0"/>
               <a:t>Муравей </a:t>
             </a:r>
             <a:r>
-              <a:rPr lang="ru-RU" dirty="0" err="1" smtClean="0"/>
+              <a:rPr lang="ru-RU" dirty="0" err="1"/>
               <a:t>Ленгтона</a:t>
             </a:r>
             <a:endParaRPr lang="ru-RU" dirty="0"/>
@@ -11104,11 +10846,11 @@
           <a:lstStyle/>
           <a:p>
             <a:r>
-              <a:rPr lang="ru-RU" dirty="0" smtClean="0"/>
+              <a:rPr lang="ru-RU" dirty="0"/>
               <a:t>Клеточный автомат со следующими правилами</a:t>
             </a:r>
             <a:r>
-              <a:rPr lang="en-US" dirty="0" smtClean="0"/>
+              <a:rPr lang="en-US" dirty="0"/>
               <a:t>:</a:t>
             </a:r>
           </a:p>
@@ -11116,13 +10858,9 @@
             <a:pPr lvl="1"/>
             <a:r>
               <a:rPr lang="ru-RU" dirty="0"/>
-              <a:t>На чёрном квадрате — повернуть на 90° влево, изменить цвет квадрата на белый, сделать шаг вперед на следующую клетку</a:t>
-            </a:r>
-            <a:r>
-              <a:rPr lang="ru-RU" dirty="0" smtClean="0"/>
-              <a:t>.</a:t>
-            </a:r>
-            <a:endParaRPr lang="en-US" dirty="0" smtClean="0"/>
+              <a:t>На чёрном квадрате — повернуть на 90° влево, изменить цвет квадрата на белый, сделать шаг вперед на следующую клетку.</a:t>
+            </a:r>
+            <a:endParaRPr lang="en-US" dirty="0"/>
           </a:p>
           <a:p>
             <a:pPr lvl="1"/>
@@ -11196,13 +10934,6 @@
   <p:clrMapOvr>
     <a:masterClrMapping/>
   </p:clrMapOvr>
-  <p:timing>
-    <p:tnLst>
-      <p:par>
-        <p:cTn id="1" dur="indefinite" restart="never" nodeType="tmRoot"/>
-      </p:par>
-    </p:tnLst>
-  </p:timing>
 </p:sld>
 </file>
 
